--- a/docs/algoritma.pptx
+++ b/docs/algoritma.pptx
@@ -111,7 +111,7 @@
   </p:defaultTextStyle>
   <p:extLst>
     <p:ext uri="{EFAFB233-063F-42B5-8137-9DF3F51BA10A}">
-      <p15:sldGuideLst xmlns:p15="http://schemas.microsoft.com/office/powerpoint/2012/main"/>
+      <p15:sldGuideLst xmlns:p15="http://schemas.microsoft.com/office/powerpoint/2012/main" xmlns=""/>
     </p:ext>
   </p:extLst>
 </p:presentation>
@@ -3802,6 +3802,10 @@
           <a:bodyPr/>
           <a:lstStyle/>
           <a:p>
+            <a:r>
+              <a:rPr lang="id-ID" smtClean="0"/>
+              <a:t>Agoritma enkripsi pada aplikasi chatting</a:t>
+            </a:r>
             <a:endParaRPr lang="id-ID" dirty="0"/>
           </a:p>
         </p:txBody>
@@ -4553,7 +4557,7 @@
     </a:clrScheme>
     <a:fontScheme name="Retrospect">
       <a:majorFont>
-        <a:latin typeface="Calibri Light" panose="020F0302020204030204"/>
+        <a:latin typeface="Calibri Light"/>
         <a:ea typeface=""/>
         <a:cs typeface=""/>
         <a:font script="Jpan" typeface="ＭＳ Ｐゴシック"/>
@@ -4588,7 +4592,7 @@
         <a:font script="Geor" typeface="Sylfaen"/>
       </a:majorFont>
       <a:minorFont>
-        <a:latin typeface="Calibri" panose="020F0502020204030204"/>
+        <a:latin typeface="Calibri"/>
         <a:ea typeface=""/>
         <a:cs typeface=""/>
         <a:font script="Jpan" typeface="ＭＳ Ｐゴシック"/>
@@ -4787,7 +4791,7 @@
   <a:extraClrSchemeLst/>
   <a:extLst>
     <a:ext uri="{05A4C25C-085E-4340-85A3-A5531E510DB2}">
-      <thm15:themeFamily xmlns:thm15="http://schemas.microsoft.com/office/thememl/2012/main" name="Retrospect" id="{5F128B03-DCCA-4EEB-AB3B-CF2899314A46}" vid="{E3DA18C2-75F1-4980-A5F0-165F6F71DE6D}"/>
+      <thm15:themeFamily xmlns:thm15="http://schemas.microsoft.com/office/thememl/2012/main" xmlns="" name="Retrospect" id="{5F128B03-DCCA-4EEB-AB3B-CF2899314A46}" vid="{E3DA18C2-75F1-4980-A5F0-165F6F71DE6D}"/>
     </a:ext>
   </a:extLst>
 </a:theme>

--- a/docs/algoritma.pptx
+++ b/docs/algoritma.pptx
@@ -9,8 +9,10 @@
     <p:sldId id="259" r:id="rId3"/>
     <p:sldId id="261" r:id="rId4"/>
     <p:sldId id="262" r:id="rId5"/>
-    <p:sldId id="264" r:id="rId6"/>
-    <p:sldId id="265" r:id="rId7"/>
+    <p:sldId id="268" r:id="rId6"/>
+    <p:sldId id="267" r:id="rId7"/>
+    <p:sldId id="264" r:id="rId8"/>
+    <p:sldId id="265" r:id="rId9"/>
   </p:sldIdLst>
   <p:sldSz cx="12192000" cy="6858000"/>
   <p:notesSz cx="6858000" cy="9144000"/>
@@ -3909,7 +3911,7 @@
           <a:p>
             <a:r>
               <a:rPr lang="en-GB" sz="3200" dirty="0" smtClean="0">
-                <a:latin typeface="Lobster Two" panose="02000506000000020003" pitchFamily="50" charset="0"/>
+                <a:latin typeface="+mj-lt"/>
               </a:rPr>
               <a:t>Evaria Ayu Nurjana</a:t>
             </a:r>
@@ -3917,70 +3919,70 @@
           <a:p>
             <a:r>
               <a:rPr lang="en-GB" sz="3200" dirty="0" err="1" smtClean="0">
-                <a:latin typeface="Lobster Two" panose="02000506000000020003" pitchFamily="50" charset="0"/>
+                <a:latin typeface="+mj-lt"/>
               </a:rPr>
               <a:t>Thiar</a:t>
             </a:r>
             <a:r>
               <a:rPr lang="en-GB" sz="3200" dirty="0" smtClean="0">
-                <a:latin typeface="Lobster Two" panose="02000506000000020003" pitchFamily="50" charset="0"/>
+                <a:latin typeface="+mj-lt"/>
               </a:rPr>
               <a:t> </a:t>
             </a:r>
             <a:r>
               <a:rPr lang="en-GB" sz="3200" dirty="0" err="1" smtClean="0">
-                <a:latin typeface="Lobster Two" panose="02000506000000020003" pitchFamily="50" charset="0"/>
+                <a:latin typeface="+mj-lt"/>
               </a:rPr>
               <a:t>Hasbiya</a:t>
             </a:r>
             <a:endParaRPr lang="en-GB" sz="3200" dirty="0" smtClean="0">
-              <a:latin typeface="Lobster Two" panose="02000506000000020003" pitchFamily="50" charset="0"/>
+              <a:latin typeface="+mj-lt"/>
             </a:endParaRPr>
           </a:p>
           <a:p>
             <a:r>
               <a:rPr lang="en-GB" sz="3200" dirty="0" smtClean="0">
-                <a:latin typeface="Lobster Two" panose="02000506000000020003" pitchFamily="50" charset="0"/>
+                <a:latin typeface="+mj-lt"/>
               </a:rPr>
               <a:t>M. </a:t>
             </a:r>
             <a:r>
               <a:rPr lang="en-GB" sz="3200" dirty="0" err="1" smtClean="0">
-                <a:latin typeface="Lobster Two" panose="02000506000000020003" pitchFamily="50" charset="0"/>
+                <a:latin typeface="+mj-lt"/>
               </a:rPr>
               <a:t>Wahyu</a:t>
             </a:r>
             <a:r>
               <a:rPr lang="en-GB" sz="3200" dirty="0" smtClean="0">
-                <a:latin typeface="Lobster Two" panose="02000506000000020003" pitchFamily="50" charset="0"/>
+                <a:latin typeface="+mj-lt"/>
               </a:rPr>
               <a:t> </a:t>
             </a:r>
             <a:r>
               <a:rPr lang="en-GB" sz="3200" dirty="0" err="1" smtClean="0">
-                <a:latin typeface="Lobster Two" panose="02000506000000020003" pitchFamily="50" charset="0"/>
+                <a:latin typeface="+mj-lt"/>
               </a:rPr>
               <a:t>Hidayat</a:t>
             </a:r>
             <a:endParaRPr lang="en-GB" sz="3200" dirty="0" smtClean="0">
-              <a:latin typeface="Lobster Two" panose="02000506000000020003" pitchFamily="50" charset="0"/>
+              <a:latin typeface="+mj-lt"/>
             </a:endParaRPr>
           </a:p>
           <a:p>
             <a:r>
               <a:rPr lang="en-GB" sz="3200" dirty="0" smtClean="0">
-                <a:latin typeface="Lobster Two" panose="02000506000000020003" pitchFamily="50" charset="0"/>
+                <a:latin typeface="+mj-lt"/>
               </a:rPr>
               <a:t>Hafiz </a:t>
             </a:r>
             <a:r>
               <a:rPr lang="en-GB" sz="3200" dirty="0" err="1" smtClean="0">
-                <a:latin typeface="Lobster Two" panose="02000506000000020003" pitchFamily="50" charset="0"/>
+                <a:latin typeface="+mj-lt"/>
               </a:rPr>
               <a:t>Nuzal</a:t>
             </a:r>
             <a:endParaRPr lang="id-ID" sz="3200" dirty="0">
-              <a:latin typeface="Lobster Two" panose="02000506000000020003" pitchFamily="50" charset="0"/>
+              <a:latin typeface="+mj-lt"/>
             </a:endParaRPr>
           </a:p>
         </p:txBody>
@@ -4047,14 +4049,14 @@
             <a:pPr algn="ctr"/>
             <a:r>
               <a:rPr lang="en-GB" sz="11500" dirty="0" err="1" smtClean="0">
-                <a:latin typeface="Lobster Two" panose="02000506000000020003" pitchFamily="50" charset="0"/>
+                <a:latin typeface="+mj-lt"/>
                 <a:cs typeface="Lao UI" panose="020B0502040204020203" pitchFamily="34" charset="0"/>
               </a:rPr>
               <a:t>Algoritma</a:t>
             </a:r>
             <a:r>
               <a:rPr lang="en-GB" sz="11500" dirty="0" smtClean="0">
-                <a:latin typeface="Lobster Two" panose="02000506000000020003" pitchFamily="50" charset="0"/>
+                <a:latin typeface="+mj-lt"/>
                 <a:cs typeface="Lao UI" panose="020B0502040204020203" pitchFamily="34" charset="0"/>
               </a:rPr>
               <a:t> </a:t>
@@ -4064,34 +4066,34 @@
             <a:pPr algn="ctr"/>
             <a:r>
               <a:rPr lang="en-GB" sz="7200" dirty="0" err="1" smtClean="0">
-                <a:latin typeface="Lobster Two" panose="02000506000000020003" pitchFamily="50" charset="0"/>
+                <a:latin typeface="+mj-lt"/>
                 <a:cs typeface="Lao UI" panose="020B0502040204020203" pitchFamily="34" charset="0"/>
               </a:rPr>
               <a:t>apa</a:t>
             </a:r>
             <a:r>
               <a:rPr lang="en-GB" sz="7200" dirty="0" smtClean="0">
-                <a:latin typeface="Lobster Two" panose="02000506000000020003" pitchFamily="50" charset="0"/>
+                <a:latin typeface="+mj-lt"/>
                 <a:cs typeface="Lao UI" panose="020B0502040204020203" pitchFamily="34" charset="0"/>
               </a:rPr>
               <a:t> yang </a:t>
             </a:r>
             <a:r>
               <a:rPr lang="en-GB" sz="7200" dirty="0" err="1" smtClean="0">
-                <a:latin typeface="Lobster Two" panose="02000506000000020003" pitchFamily="50" charset="0"/>
+                <a:latin typeface="+mj-lt"/>
                 <a:cs typeface="Lao UI" panose="020B0502040204020203" pitchFamily="34" charset="0"/>
               </a:rPr>
               <a:t>digunakan</a:t>
             </a:r>
             <a:r>
               <a:rPr lang="en-GB" sz="7200" dirty="0" smtClean="0">
-                <a:latin typeface="Lobster Two" panose="02000506000000020003" pitchFamily="50" charset="0"/>
+                <a:latin typeface="+mj-lt"/>
                 <a:cs typeface="Lao UI" panose="020B0502040204020203" pitchFamily="34" charset="0"/>
               </a:rPr>
               <a:t>?</a:t>
             </a:r>
             <a:endParaRPr lang="id-ID" sz="7200" dirty="0">
-              <a:latin typeface="Lobster Two" panose="02000506000000020003" pitchFamily="50" charset="0"/>
+              <a:latin typeface="+mj-lt"/>
               <a:cs typeface="Lao UI" panose="020B0502040204020203" pitchFamily="34" charset="0"/>
             </a:endParaRPr>
           </a:p>
@@ -4159,13 +4161,17 @@
             <a:pPr algn="ctr"/>
             <a:r>
               <a:rPr lang="en-GB" sz="8800" dirty="0" smtClean="0">
-                <a:latin typeface="Source Code Pro" panose="020B0509030403020204" pitchFamily="49" charset="0"/>
                 <a:ea typeface="DaddysGirl" panose="02000603000000000000" pitchFamily="2" charset="0"/>
               </a:rPr>
-              <a:t>STREAM CHIPER</a:t>
+              <a:t>STREAM </a:t>
+            </a:r>
+            <a:r>
+              <a:rPr lang="en-GB" sz="8800" dirty="0" smtClean="0">
+                <a:ea typeface="DaddysGirl" panose="02000603000000000000" pitchFamily="2" charset="0"/>
+              </a:rPr>
+              <a:t>CIPHER</a:t>
             </a:r>
             <a:endParaRPr lang="id-ID" sz="8800" dirty="0">
-              <a:latin typeface="Source Code Pro" panose="020B0509030403020204" pitchFamily="49" charset="0"/>
               <a:ea typeface="DaddysGirl" panose="02000603000000000000" pitchFamily="2" charset="0"/>
             </a:endParaRPr>
           </a:p>
@@ -4196,20 +4202,17 @@
             <a:pPr algn="ctr"/>
             <a:r>
               <a:rPr lang="en-GB" sz="6000" dirty="0">
-                <a:latin typeface="Source Code Pro" panose="020B0509030403020204" pitchFamily="49" charset="0"/>
                 <a:ea typeface="DaddysGirl" panose="02000603000000000000" pitchFamily="2" charset="0"/>
               </a:rPr>
               <a:t>o</a:t>
             </a:r>
             <a:r>
               <a:rPr lang="en-GB" sz="6000" dirty="0" smtClean="0">
-                <a:latin typeface="Source Code Pro" panose="020B0509030403020204" pitchFamily="49" charset="0"/>
                 <a:ea typeface="DaddysGirl" panose="02000603000000000000" pitchFamily="2" charset="0"/>
               </a:rPr>
               <a:t>ne time pad</a:t>
             </a:r>
             <a:endParaRPr lang="id-ID" sz="6000" dirty="0">
-              <a:latin typeface="Source Code Pro" panose="020B0509030403020204" pitchFamily="49" charset="0"/>
               <a:ea typeface="DaddysGirl" panose="02000603000000000000" pitchFamily="2" charset="0"/>
             </a:endParaRPr>
           </a:p>
@@ -4239,11 +4242,22 @@
           <a:p>
             <a:pPr algn="ctr"/>
             <a:r>
+              <a:rPr lang="en-GB" sz="6000" dirty="0">
+                <a:ea typeface="DaddysGirl" panose="02000603000000000000" pitchFamily="2" charset="0"/>
+              </a:rPr>
+              <a:t>p</a:t>
+            </a:r>
+            <a:r>
               <a:rPr lang="en-GB" sz="6000" dirty="0" smtClean="0">
-                <a:latin typeface="Source Code Pro" panose="020B0509030403020204" pitchFamily="49" charset="0"/>
                 <a:ea typeface="DaddysGirl" panose="02000603000000000000" pitchFamily="2" charset="0"/>
               </a:rPr>
-              <a:t>Pseudorandom generator</a:t>
+              <a:t>seudorandom </a:t>
+            </a:r>
+            <a:r>
+              <a:rPr lang="en-GB" sz="6000" dirty="0" smtClean="0">
+                <a:ea typeface="DaddysGirl" panose="02000603000000000000" pitchFamily="2" charset="0"/>
+              </a:rPr>
+              <a:t>generator</a:t>
             </a:r>
           </a:p>
         </p:txBody>
@@ -4287,86 +4301,132 @@
       </p:grpSpPr>
       <p:sp>
         <p:nvSpPr>
-          <p:cNvPr id="2" name="TextBox 1"/>
-          <p:cNvSpPr txBox="1"/>
-          <p:nvPr/>
-        </p:nvSpPr>
-        <p:spPr>
-          <a:xfrm>
-            <a:off x="2170471" y="2013256"/>
-            <a:ext cx="7875403" cy="2800767"/>
-          </a:xfrm>
-          <a:prstGeom prst="rect">
-            <a:avLst/>
-          </a:prstGeom>
-          <a:noFill/>
-        </p:spPr>
-        <p:txBody>
-          <a:bodyPr wrap="square" rtlCol="0">
-            <a:spAutoFit/>
-          </a:bodyPr>
-          <a:lstStyle/>
-          <a:p>
-            <a:pPr algn="ctr"/>
-            <a:r>
-              <a:rPr lang="en-GB" sz="8800" dirty="0" err="1" smtClean="0">
-                <a:latin typeface="Lobster Two" panose="02000506000000020003" pitchFamily="50" charset="0"/>
-                <a:cs typeface="Lao UI" panose="020B0502040204020203" pitchFamily="34" charset="0"/>
-              </a:rPr>
-              <a:t>Apa</a:t>
-            </a:r>
-            <a:r>
-              <a:rPr lang="en-GB" sz="8800" dirty="0">
-                <a:latin typeface="Lobster Two" panose="02000506000000020003" pitchFamily="50" charset="0"/>
-                <a:cs typeface="Lao UI" panose="020B0502040204020203" pitchFamily="34" charset="0"/>
-              </a:rPr>
+          <p:cNvPr id="2" name="Title 1"/>
+          <p:cNvSpPr>
+            <a:spLocks noGrp="1"/>
+          </p:cNvSpPr>
+          <p:nvPr>
+            <p:ph type="title"/>
+          </p:nvPr>
+        </p:nvSpPr>
+        <p:spPr/>
+        <p:txBody>
+          <a:bodyPr/>
+          <a:lstStyle/>
+          <a:p>
+            <a:r>
+              <a:rPr lang="en-GB" dirty="0" smtClean="0">
+                <a:latin typeface="Bebas Neue" panose="020B0606020202050201" pitchFamily="34" charset="0"/>
+              </a:rPr>
+              <a:t>Stream cipher</a:t>
+            </a:r>
+            <a:endParaRPr lang="id-ID" dirty="0">
+              <a:latin typeface="Bebas Neue" panose="020B0606020202050201" pitchFamily="34" charset="0"/>
+            </a:endParaRPr>
+          </a:p>
+        </p:txBody>
+      </p:sp>
+      <p:sp>
+        <p:nvSpPr>
+          <p:cNvPr id="3" name="Content Placeholder 2"/>
+          <p:cNvSpPr>
+            <a:spLocks noGrp="1"/>
+          </p:cNvSpPr>
+          <p:nvPr>
+            <p:ph idx="1"/>
+          </p:nvPr>
+        </p:nvSpPr>
+        <p:spPr/>
+        <p:txBody>
+          <a:bodyPr/>
+          <a:lstStyle/>
+          <a:p>
+            <a:pPr>
+              <a:buFont typeface="Arial" panose="020B0604020202020204" pitchFamily="34" charset="0"/>
+              <a:buChar char="•"/>
+            </a:pPr>
+            <a:r>
+              <a:rPr lang="en-GB" dirty="0"/>
               <a:t> </a:t>
             </a:r>
             <a:r>
-              <a:rPr lang="en-GB" sz="8800" dirty="0" err="1" smtClean="0">
-                <a:latin typeface="Lobster Two" panose="02000506000000020003" pitchFamily="50" charset="0"/>
-                <a:cs typeface="Lao UI" panose="020B0502040204020203" pitchFamily="34" charset="0"/>
-              </a:rPr>
-              <a:t>saja</a:t>
-            </a:r>
-            <a:r>
-              <a:rPr lang="en-GB" sz="8800" dirty="0" smtClean="0">
-                <a:latin typeface="Lobster Two" panose="02000506000000020003" pitchFamily="50" charset="0"/>
-                <a:cs typeface="Lao UI" panose="020B0502040204020203" pitchFamily="34" charset="0"/>
-              </a:rPr>
-              <a:t> yang </a:t>
-            </a:r>
-            <a:r>
-              <a:rPr lang="en-GB" sz="8800" dirty="0" err="1" smtClean="0">
-                <a:latin typeface="Lobster Two" panose="02000506000000020003" pitchFamily="50" charset="0"/>
-                <a:cs typeface="Lao UI" panose="020B0502040204020203" pitchFamily="34" charset="0"/>
-              </a:rPr>
-              <a:t>dienkripsi</a:t>
-            </a:r>
-            <a:r>
-              <a:rPr lang="en-GB" sz="8800" dirty="0" smtClean="0">
-                <a:latin typeface="Lobster Two" panose="02000506000000020003" pitchFamily="50" charset="0"/>
-                <a:cs typeface="Lao UI" panose="020B0502040204020203" pitchFamily="34" charset="0"/>
-              </a:rPr>
-              <a:t>?</a:t>
-            </a:r>
-            <a:endParaRPr lang="id-ID" sz="8800" dirty="0">
-              <a:latin typeface="Lobster Two" panose="02000506000000020003" pitchFamily="50" charset="0"/>
-              <a:cs typeface="Lao UI" panose="020B0502040204020203" pitchFamily="34" charset="0"/>
-            </a:endParaRPr>
+              <a:rPr lang="en-GB" dirty="0" err="1" smtClean="0"/>
+              <a:t>Mengenkripsi</a:t>
+            </a:r>
+            <a:r>
+              <a:rPr lang="en-GB" dirty="0" smtClean="0"/>
+              <a:t> </a:t>
+            </a:r>
+            <a:r>
+              <a:rPr lang="en-GB" dirty="0" err="1" smtClean="0"/>
+              <a:t>lebih</a:t>
+            </a:r>
+            <a:r>
+              <a:rPr lang="en-GB" dirty="0" smtClean="0"/>
+              <a:t> </a:t>
+            </a:r>
+            <a:r>
+              <a:rPr lang="en-GB" dirty="0" err="1" smtClean="0"/>
+              <a:t>cepat</a:t>
+            </a:r>
+            <a:endParaRPr lang="en-GB" dirty="0" smtClean="0"/>
+          </a:p>
+          <a:p>
+            <a:pPr>
+              <a:buFont typeface="Arial" panose="020B0604020202020204" pitchFamily="34" charset="0"/>
+              <a:buChar char="•"/>
+            </a:pPr>
+            <a:r>
+              <a:rPr lang="id-ID" dirty="0" smtClean="0"/>
+              <a:t>lower hardware complexity</a:t>
+            </a:r>
+            <a:endParaRPr lang="en-GB" dirty="0" smtClean="0"/>
+          </a:p>
+          <a:p>
+            <a:pPr>
+              <a:buFont typeface="Arial" panose="020B0604020202020204" pitchFamily="34" charset="0"/>
+              <a:buChar char="•"/>
+            </a:pPr>
+            <a:r>
+              <a:rPr lang="en-US" dirty="0" err="1"/>
+              <a:t>Optimised</a:t>
+            </a:r>
+            <a:r>
+              <a:rPr lang="en-US" dirty="0"/>
+              <a:t> for software applications with high throughput requirements.</a:t>
+            </a:r>
+            <a:endParaRPr lang="en-GB" dirty="0" smtClean="0"/>
+          </a:p>
+          <a:p>
+            <a:pPr>
+              <a:buFont typeface="Arial" panose="020B0604020202020204" pitchFamily="34" charset="0"/>
+              <a:buChar char="•"/>
+            </a:pPr>
+            <a:r>
+              <a:rPr lang="en-US" dirty="0"/>
+              <a:t>It can be implemented with very low hardware, it is efficient, and supposed to be secure.</a:t>
+            </a:r>
+            <a:endParaRPr lang="en-GB" dirty="0"/>
           </a:p>
         </p:txBody>
       </p:sp>
     </p:spTree>
     <p:extLst>
       <p:ext uri="{BB962C8B-B14F-4D97-AF65-F5344CB8AC3E}">
-        <p14:creationId xmlns:p14="http://schemas.microsoft.com/office/powerpoint/2010/main" val="1003756597"/>
+        <p14:creationId xmlns:p14="http://schemas.microsoft.com/office/powerpoint/2010/main" val="527900952"/>
       </p:ext>
     </p:extLst>
   </p:cSld>
   <p:clrMapOvr>
     <a:masterClrMapping/>
   </p:clrMapOvr>
+  <p:timing>
+    <p:tnLst>
+      <p:par>
+        <p:cTn id="1" dur="indefinite" restart="never" nodeType="tmRoot"/>
+      </p:par>
+    </p:tnLst>
+  </p:timing>
 </p:sld>
 </file>
 
@@ -4389,7 +4449,7 @@
       </p:grpSpPr>
       <p:sp>
         <p:nvSpPr>
-          <p:cNvPr id="5" name="Title 4"/>
+          <p:cNvPr id="2" name="Title 1"/>
           <p:cNvSpPr>
             <a:spLocks noGrp="1"/>
           </p:cNvSpPr>
@@ -4402,19 +4462,213 @@
           <a:bodyPr/>
           <a:lstStyle/>
           <a:p>
-            <a:r>
-              <a:rPr lang="en-GB" dirty="0" err="1" smtClean="0">
-                <a:latin typeface="Bebas Neue" panose="020B0606020202050201" pitchFamily="34" charset="0"/>
-              </a:rPr>
-              <a:t>Distribusi</a:t>
-            </a:r>
             <a:r>
               <a:rPr lang="en-GB" dirty="0" smtClean="0">
                 <a:latin typeface="Bebas Neue" panose="020B0606020202050201" pitchFamily="34" charset="0"/>
               </a:rPr>
+              <a:t>One time pad &amp; pseudorandom generator</a:t>
+            </a:r>
+            <a:endParaRPr lang="id-ID" dirty="0">
+              <a:latin typeface="Bebas Neue" panose="020B0606020202050201" pitchFamily="34" charset="0"/>
+            </a:endParaRPr>
+          </a:p>
+        </p:txBody>
+      </p:sp>
+      <p:sp>
+        <p:nvSpPr>
+          <p:cNvPr id="3" name="Content Placeholder 2"/>
+          <p:cNvSpPr>
+            <a:spLocks noGrp="1"/>
+          </p:cNvSpPr>
+          <p:nvPr>
+            <p:ph idx="1"/>
+          </p:nvPr>
+        </p:nvSpPr>
+        <p:spPr/>
+        <p:txBody>
+          <a:bodyPr/>
+          <a:lstStyle/>
+          <a:p>
+            <a:endParaRPr lang="id-ID" dirty="0"/>
+          </a:p>
+        </p:txBody>
+      </p:sp>
+    </p:spTree>
+    <p:extLst>
+      <p:ext uri="{BB962C8B-B14F-4D97-AF65-F5344CB8AC3E}">
+        <p14:creationId xmlns:p14="http://schemas.microsoft.com/office/powerpoint/2010/main" val="2999949932"/>
+      </p:ext>
+    </p:extLst>
+  </p:cSld>
+  <p:clrMapOvr>
+    <a:masterClrMapping/>
+  </p:clrMapOvr>
+  <p:timing>
+    <p:tnLst>
+      <p:par>
+        <p:cTn id="1" dur="indefinite" restart="never" nodeType="tmRoot"/>
+      </p:par>
+    </p:tnLst>
+  </p:timing>
+</p:sld>
+</file>
+
+<file path=ppt/slides/slide7.xml><?xml version="1.0" encoding="utf-8"?>
+<p:sld xmlns:a="http://schemas.openxmlformats.org/drawingml/2006/main" xmlns:r="http://schemas.openxmlformats.org/officeDocument/2006/relationships" xmlns:p="http://schemas.openxmlformats.org/presentationml/2006/main">
+  <p:cSld>
+    <p:spTree>
+      <p:nvGrpSpPr>
+        <p:cNvPr id="1" name=""/>
+        <p:cNvGrpSpPr/>
+        <p:nvPr/>
+      </p:nvGrpSpPr>
+      <p:grpSpPr>
+        <a:xfrm>
+          <a:off x="0" y="0"/>
+          <a:ext cx="0" cy="0"/>
+          <a:chOff x="0" y="0"/>
+          <a:chExt cx="0" cy="0"/>
+        </a:xfrm>
+      </p:grpSpPr>
+      <p:sp>
+        <p:nvSpPr>
+          <p:cNvPr id="2" name="TextBox 1"/>
+          <p:cNvSpPr txBox="1"/>
+          <p:nvPr/>
+        </p:nvSpPr>
+        <p:spPr>
+          <a:xfrm>
+            <a:off x="2170471" y="2013256"/>
+            <a:ext cx="7875403" cy="2800767"/>
+          </a:xfrm>
+          <a:prstGeom prst="rect">
+            <a:avLst/>
+          </a:prstGeom>
+          <a:noFill/>
+        </p:spPr>
+        <p:txBody>
+          <a:bodyPr wrap="square" rtlCol="0">
+            <a:spAutoFit/>
+          </a:bodyPr>
+          <a:lstStyle/>
+          <a:p>
+            <a:pPr algn="ctr"/>
+            <a:r>
+              <a:rPr lang="en-GB" sz="8800" dirty="0" err="1" smtClean="0">
+                <a:latin typeface="+mj-lt"/>
+                <a:cs typeface="Lao UI" panose="020B0502040204020203" pitchFamily="34" charset="0"/>
+              </a:rPr>
+              <a:t>Apa</a:t>
+            </a:r>
+            <a:r>
+              <a:rPr lang="en-GB" sz="8800" dirty="0">
+                <a:latin typeface="+mj-lt"/>
+                <a:cs typeface="Lao UI" panose="020B0502040204020203" pitchFamily="34" charset="0"/>
+              </a:rPr>
+              <a:t> </a:t>
+            </a:r>
+            <a:r>
+              <a:rPr lang="en-GB" sz="8800" dirty="0" err="1" smtClean="0">
+                <a:latin typeface="+mj-lt"/>
+                <a:cs typeface="Lao UI" panose="020B0502040204020203" pitchFamily="34" charset="0"/>
+              </a:rPr>
+              <a:t>saja</a:t>
+            </a:r>
+            <a:r>
+              <a:rPr lang="en-GB" sz="8800" dirty="0" smtClean="0">
+                <a:latin typeface="+mj-lt"/>
+                <a:cs typeface="Lao UI" panose="020B0502040204020203" pitchFamily="34" charset="0"/>
+              </a:rPr>
+              <a:t> yang </a:t>
+            </a:r>
+            <a:r>
+              <a:rPr lang="en-GB" sz="8800" dirty="0" err="1" smtClean="0">
+                <a:latin typeface="+mj-lt"/>
+                <a:cs typeface="Lao UI" panose="020B0502040204020203" pitchFamily="34" charset="0"/>
+              </a:rPr>
+              <a:t>dienkripsi</a:t>
+            </a:r>
+            <a:r>
+              <a:rPr lang="en-GB" sz="8800" dirty="0" smtClean="0">
+                <a:latin typeface="+mj-lt"/>
+                <a:cs typeface="Lao UI" panose="020B0502040204020203" pitchFamily="34" charset="0"/>
+              </a:rPr>
+              <a:t>?</a:t>
+            </a:r>
+            <a:endParaRPr lang="id-ID" sz="8800" dirty="0">
+              <a:latin typeface="+mj-lt"/>
+              <a:cs typeface="Lao UI" panose="020B0502040204020203" pitchFamily="34" charset="0"/>
+            </a:endParaRPr>
+          </a:p>
+        </p:txBody>
+      </p:sp>
+    </p:spTree>
+    <p:extLst>
+      <p:ext uri="{BB962C8B-B14F-4D97-AF65-F5344CB8AC3E}">
+        <p14:creationId xmlns:p14="http://schemas.microsoft.com/office/powerpoint/2010/main" val="1003756597"/>
+      </p:ext>
+    </p:extLst>
+  </p:cSld>
+  <p:clrMapOvr>
+    <a:masterClrMapping/>
+  </p:clrMapOvr>
+  <p:timing>
+    <p:tnLst>
+      <p:par>
+        <p:cTn id="1" dur="indefinite" restart="never" nodeType="tmRoot"/>
+      </p:par>
+    </p:tnLst>
+  </p:timing>
+</p:sld>
+</file>
+
+<file path=ppt/slides/slide8.xml><?xml version="1.0" encoding="utf-8"?>
+<p:sld xmlns:a="http://schemas.openxmlformats.org/drawingml/2006/main" xmlns:r="http://schemas.openxmlformats.org/officeDocument/2006/relationships" xmlns:p="http://schemas.openxmlformats.org/presentationml/2006/main">
+  <p:cSld>
+    <p:spTree>
+      <p:nvGrpSpPr>
+        <p:cNvPr id="1" name=""/>
+        <p:cNvGrpSpPr/>
+        <p:nvPr/>
+      </p:nvGrpSpPr>
+      <p:grpSpPr>
+        <a:xfrm>
+          <a:off x="0" y="0"/>
+          <a:ext cx="0" cy="0"/>
+          <a:chOff x="0" y="0"/>
+          <a:chExt cx="0" cy="0"/>
+        </a:xfrm>
+      </p:grpSpPr>
+      <p:sp>
+        <p:nvSpPr>
+          <p:cNvPr id="5" name="Title 4"/>
+          <p:cNvSpPr>
+            <a:spLocks noGrp="1"/>
+          </p:cNvSpPr>
+          <p:nvPr>
+            <p:ph type="title"/>
+          </p:nvPr>
+        </p:nvSpPr>
+        <p:spPr/>
+        <p:txBody>
+          <a:bodyPr>
+            <a:normAutofit/>
+          </a:bodyPr>
+          <a:lstStyle/>
+          <a:p>
+            <a:r>
+              <a:rPr lang="en-GB" sz="6000" dirty="0" err="1" smtClean="0">
+                <a:latin typeface="Bebas Neue" panose="020B0606020202050201" pitchFamily="34" charset="0"/>
+              </a:rPr>
+              <a:t>Distribusi</a:t>
+            </a:r>
+            <a:r>
+              <a:rPr lang="en-GB" sz="6000" dirty="0" smtClean="0">
+                <a:latin typeface="Bebas Neue" panose="020B0606020202050201" pitchFamily="34" charset="0"/>
+              </a:rPr>
               <a:t> key</a:t>
             </a:r>
-            <a:endParaRPr lang="id-ID" dirty="0"/>
+            <a:endParaRPr lang="id-ID" sz="6000" dirty="0"/>
           </a:p>
         </p:txBody>
       </p:sp>
@@ -4430,70 +4684,104 @@
         </p:nvSpPr>
         <p:spPr/>
         <p:txBody>
-          <a:bodyPr/>
-          <a:lstStyle/>
-          <a:p>
-            <a:r>
-              <a:rPr lang="en-GB" dirty="0" err="1"/>
+          <a:bodyPr>
+            <a:normAutofit/>
+          </a:bodyPr>
+          <a:lstStyle/>
+          <a:p>
+            <a:r>
+              <a:rPr lang="en-GB" sz="3600" dirty="0" err="1">
+                <a:latin typeface="+mj-lt"/>
+              </a:rPr>
               <a:t>Mengirimkan</a:t>
             </a:r>
             <a:r>
-              <a:rPr lang="en-GB" dirty="0"/>
+              <a:rPr lang="en-GB" sz="3600" dirty="0">
+                <a:latin typeface="+mj-lt"/>
+              </a:rPr>
               <a:t> seed yang </a:t>
             </a:r>
             <a:r>
-              <a:rPr lang="en-GB" dirty="0" err="1"/>
+              <a:rPr lang="en-GB" sz="3600" dirty="0" err="1">
+                <a:latin typeface="+mj-lt"/>
+              </a:rPr>
               <a:t>akan</a:t>
             </a:r>
             <a:r>
-              <a:rPr lang="en-GB" dirty="0"/>
+              <a:rPr lang="en-GB" sz="3600" dirty="0">
+                <a:latin typeface="+mj-lt"/>
+              </a:rPr>
               <a:t> </a:t>
             </a:r>
             <a:r>
-              <a:rPr lang="en-GB" dirty="0" err="1"/>
+              <a:rPr lang="en-GB" sz="3600" dirty="0" err="1">
+                <a:latin typeface="+mj-lt"/>
+              </a:rPr>
               <a:t>digenerator</a:t>
             </a:r>
             <a:r>
-              <a:rPr lang="en-GB" dirty="0"/>
+              <a:rPr lang="en-GB" sz="3600" dirty="0">
+                <a:latin typeface="+mj-lt"/>
+              </a:rPr>
               <a:t> </a:t>
             </a:r>
             <a:r>
-              <a:rPr lang="en-GB" dirty="0" err="1"/>
+              <a:rPr lang="en-GB" sz="3600" dirty="0" err="1">
+                <a:latin typeface="+mj-lt"/>
+              </a:rPr>
               <a:t>dengan</a:t>
             </a:r>
             <a:r>
-              <a:rPr lang="en-GB" dirty="0"/>
+              <a:rPr lang="en-GB" sz="3600" dirty="0">
+                <a:latin typeface="+mj-lt"/>
+              </a:rPr>
               <a:t> </a:t>
             </a:r>
             <a:r>
-              <a:rPr lang="en-GB" dirty="0" err="1"/>
+              <a:rPr lang="en-GB" sz="3600" dirty="0" err="1">
+                <a:latin typeface="+mj-lt"/>
+              </a:rPr>
               <a:t>algoritma</a:t>
             </a:r>
             <a:r>
-              <a:rPr lang="en-GB" dirty="0"/>
+              <a:rPr lang="en-GB" sz="3600" dirty="0">
+                <a:latin typeface="+mj-lt"/>
+              </a:rPr>
               <a:t> pseudorandom yang </a:t>
             </a:r>
             <a:r>
-              <a:rPr lang="en-GB" dirty="0" err="1"/>
+              <a:rPr lang="en-GB" sz="3600" dirty="0" err="1">
+                <a:latin typeface="+mj-lt"/>
+              </a:rPr>
               <a:t>telah</a:t>
             </a:r>
             <a:r>
-              <a:rPr lang="en-GB" dirty="0"/>
+              <a:rPr lang="en-GB" sz="3600" dirty="0">
+                <a:latin typeface="+mj-lt"/>
+              </a:rPr>
               <a:t> </a:t>
             </a:r>
             <a:r>
-              <a:rPr lang="en-GB" dirty="0" err="1"/>
+              <a:rPr lang="en-GB" sz="3600" dirty="0" err="1">
+                <a:latin typeface="+mj-lt"/>
+              </a:rPr>
               <a:t>ditentukan</a:t>
             </a:r>
             <a:r>
-              <a:rPr lang="en-GB" dirty="0"/>
+              <a:rPr lang="en-GB" sz="3600" dirty="0">
+                <a:latin typeface="+mj-lt"/>
+              </a:rPr>
               <a:t> </a:t>
             </a:r>
             <a:r>
-              <a:rPr lang="en-GB" dirty="0" err="1"/>
+              <a:rPr lang="en-GB" sz="3600" dirty="0" err="1">
+                <a:latin typeface="+mj-lt"/>
+              </a:rPr>
               <a:t>sebelumnya</a:t>
             </a:r>
-            <a:endParaRPr lang="id-ID" dirty="0"/>
+            <a:endParaRPr lang="id-ID" sz="3600" dirty="0">
+              <a:latin typeface="+mj-lt"/>
+            </a:endParaRPr>
           </a:p>
         </p:txBody>
       </p:sp>
@@ -4507,6 +4795,13 @@
   <p:clrMapOvr>
     <a:masterClrMapping/>
   </p:clrMapOvr>
+  <p:timing>
+    <p:tnLst>
+      <p:par>
+        <p:cTn id="1" dur="indefinite" restart="never" nodeType="tmRoot"/>
+      </p:par>
+    </p:tnLst>
+  </p:timing>
 </p:sld>
 </file>
 

--- a/docs/algoritma.pptx
+++ b/docs/algoritma.pptx
@@ -4,15 +4,17 @@
   <p:sldMasterIdLst>
     <p:sldMasterId id="2147483648" r:id="rId1"/>
   </p:sldMasterIdLst>
+  <p:notesMasterIdLst>
+    <p:notesMasterId r:id="rId9"/>
+  </p:notesMasterIdLst>
   <p:sldIdLst>
     <p:sldId id="256" r:id="rId2"/>
     <p:sldId id="259" r:id="rId3"/>
     <p:sldId id="261" r:id="rId4"/>
-    <p:sldId id="262" r:id="rId5"/>
-    <p:sldId id="268" r:id="rId6"/>
-    <p:sldId id="267" r:id="rId7"/>
-    <p:sldId id="264" r:id="rId8"/>
-    <p:sldId id="265" r:id="rId9"/>
+    <p:sldId id="268" r:id="rId5"/>
+    <p:sldId id="267" r:id="rId6"/>
+    <p:sldId id="264" r:id="rId7"/>
+    <p:sldId id="265" r:id="rId8"/>
   </p:sldIdLst>
   <p:sldSz cx="12192000" cy="6858000"/>
   <p:notesSz cx="6858000" cy="9144000"/>
@@ -119,6 +121,686 @@
 </p:presentation>
 </file>
 
+<file path=ppt/notesMasters/notesMaster1.xml><?xml version="1.0" encoding="utf-8"?>
+<p:notesMaster xmlns:a="http://schemas.openxmlformats.org/drawingml/2006/main" xmlns:r="http://schemas.openxmlformats.org/officeDocument/2006/relationships" xmlns:p="http://schemas.openxmlformats.org/presentationml/2006/main">
+  <p:cSld>
+    <p:bg>
+      <p:bgRef idx="1001">
+        <a:schemeClr val="bg1"/>
+      </p:bgRef>
+    </p:bg>
+    <p:spTree>
+      <p:nvGrpSpPr>
+        <p:cNvPr id="1" name=""/>
+        <p:cNvGrpSpPr/>
+        <p:nvPr/>
+      </p:nvGrpSpPr>
+      <p:grpSpPr>
+        <a:xfrm>
+          <a:off x="0" y="0"/>
+          <a:ext cx="0" cy="0"/>
+          <a:chOff x="0" y="0"/>
+          <a:chExt cx="0" cy="0"/>
+        </a:xfrm>
+      </p:grpSpPr>
+      <p:sp>
+        <p:nvSpPr>
+          <p:cNvPr id="2" name="Header Placeholder 1"/>
+          <p:cNvSpPr>
+            <a:spLocks noGrp="1"/>
+          </p:cNvSpPr>
+          <p:nvPr>
+            <p:ph type="hdr" sz="quarter"/>
+          </p:nvPr>
+        </p:nvSpPr>
+        <p:spPr>
+          <a:xfrm>
+            <a:off x="0" y="0"/>
+            <a:ext cx="2971800" cy="458788"/>
+          </a:xfrm>
+          <a:prstGeom prst="rect">
+            <a:avLst/>
+          </a:prstGeom>
+        </p:spPr>
+        <p:txBody>
+          <a:bodyPr vert="horz" lIns="91440" tIns="45720" rIns="91440" bIns="45720" rtlCol="0"/>
+          <a:lstStyle>
+            <a:lvl1pPr algn="l">
+              <a:defRPr sz="1200"/>
+            </a:lvl1pPr>
+          </a:lstStyle>
+          <a:p>
+            <a:endParaRPr lang="id-ID"/>
+          </a:p>
+        </p:txBody>
+      </p:sp>
+      <p:sp>
+        <p:nvSpPr>
+          <p:cNvPr id="3" name="Date Placeholder 2"/>
+          <p:cNvSpPr>
+            <a:spLocks noGrp="1"/>
+          </p:cNvSpPr>
+          <p:nvPr>
+            <p:ph type="dt" idx="1"/>
+          </p:nvPr>
+        </p:nvSpPr>
+        <p:spPr>
+          <a:xfrm>
+            <a:off x="3884613" y="0"/>
+            <a:ext cx="2971800" cy="458788"/>
+          </a:xfrm>
+          <a:prstGeom prst="rect">
+            <a:avLst/>
+          </a:prstGeom>
+        </p:spPr>
+        <p:txBody>
+          <a:bodyPr vert="horz" lIns="91440" tIns="45720" rIns="91440" bIns="45720" rtlCol="0"/>
+          <a:lstStyle>
+            <a:lvl1pPr algn="r">
+              <a:defRPr sz="1200"/>
+            </a:lvl1pPr>
+          </a:lstStyle>
+          <a:p>
+            <a:fld id="{051884BA-C539-4ACF-A4E3-872FA94560A9}" type="datetimeFigureOut">
+              <a:rPr lang="id-ID" smtClean="0"/>
+              <a:t>11/03/2015</a:t>
+            </a:fld>
+            <a:endParaRPr lang="id-ID"/>
+          </a:p>
+        </p:txBody>
+      </p:sp>
+      <p:sp>
+        <p:nvSpPr>
+          <p:cNvPr id="4" name="Slide Image Placeholder 3"/>
+          <p:cNvSpPr>
+            <a:spLocks noGrp="1" noRot="1" noChangeAspect="1"/>
+          </p:cNvSpPr>
+          <p:nvPr>
+            <p:ph type="sldImg" idx="2"/>
+          </p:nvPr>
+        </p:nvSpPr>
+        <p:spPr>
+          <a:xfrm>
+            <a:off x="685800" y="1143000"/>
+            <a:ext cx="5486400" cy="3086100"/>
+          </a:xfrm>
+          <a:prstGeom prst="rect">
+            <a:avLst/>
+          </a:prstGeom>
+          <a:noFill/>
+          <a:ln w="12700">
+            <a:solidFill>
+              <a:prstClr val="black"/>
+            </a:solidFill>
+          </a:ln>
+        </p:spPr>
+        <p:txBody>
+          <a:bodyPr vert="horz" lIns="91440" tIns="45720" rIns="91440" bIns="45720" rtlCol="0" anchor="ctr"/>
+          <a:lstStyle/>
+          <a:p>
+            <a:endParaRPr lang="id-ID"/>
+          </a:p>
+        </p:txBody>
+      </p:sp>
+      <p:sp>
+        <p:nvSpPr>
+          <p:cNvPr id="5" name="Notes Placeholder 4"/>
+          <p:cNvSpPr>
+            <a:spLocks noGrp="1"/>
+          </p:cNvSpPr>
+          <p:nvPr>
+            <p:ph type="body" sz="quarter" idx="3"/>
+          </p:nvPr>
+        </p:nvSpPr>
+        <p:spPr>
+          <a:xfrm>
+            <a:off x="685800" y="4400550"/>
+            <a:ext cx="5486400" cy="3600450"/>
+          </a:xfrm>
+          <a:prstGeom prst="rect">
+            <a:avLst/>
+          </a:prstGeom>
+        </p:spPr>
+        <p:txBody>
+          <a:bodyPr vert="horz" lIns="91440" tIns="45720" rIns="91440" bIns="45720" rtlCol="0"/>
+          <a:lstStyle/>
+          <a:p>
+            <a:pPr lvl="0"/>
+            <a:r>
+              <a:rPr lang="en-US" smtClean="0"/>
+              <a:t>Click to edit Master text styles</a:t>
+            </a:r>
+          </a:p>
+          <a:p>
+            <a:pPr lvl="1"/>
+            <a:r>
+              <a:rPr lang="en-US" smtClean="0"/>
+              <a:t>Second level</a:t>
+            </a:r>
+          </a:p>
+          <a:p>
+            <a:pPr lvl="2"/>
+            <a:r>
+              <a:rPr lang="en-US" smtClean="0"/>
+              <a:t>Third level</a:t>
+            </a:r>
+          </a:p>
+          <a:p>
+            <a:pPr lvl="3"/>
+            <a:r>
+              <a:rPr lang="en-US" smtClean="0"/>
+              <a:t>Fourth level</a:t>
+            </a:r>
+          </a:p>
+          <a:p>
+            <a:pPr lvl="4"/>
+            <a:r>
+              <a:rPr lang="en-US" smtClean="0"/>
+              <a:t>Fifth level</a:t>
+            </a:r>
+            <a:endParaRPr lang="id-ID"/>
+          </a:p>
+        </p:txBody>
+      </p:sp>
+      <p:sp>
+        <p:nvSpPr>
+          <p:cNvPr id="6" name="Footer Placeholder 5"/>
+          <p:cNvSpPr>
+            <a:spLocks noGrp="1"/>
+          </p:cNvSpPr>
+          <p:nvPr>
+            <p:ph type="ftr" sz="quarter" idx="4"/>
+          </p:nvPr>
+        </p:nvSpPr>
+        <p:spPr>
+          <a:xfrm>
+            <a:off x="0" y="8685213"/>
+            <a:ext cx="2971800" cy="458787"/>
+          </a:xfrm>
+          <a:prstGeom prst="rect">
+            <a:avLst/>
+          </a:prstGeom>
+        </p:spPr>
+        <p:txBody>
+          <a:bodyPr vert="horz" lIns="91440" tIns="45720" rIns="91440" bIns="45720" rtlCol="0" anchor="b"/>
+          <a:lstStyle>
+            <a:lvl1pPr algn="l">
+              <a:defRPr sz="1200"/>
+            </a:lvl1pPr>
+          </a:lstStyle>
+          <a:p>
+            <a:endParaRPr lang="id-ID"/>
+          </a:p>
+        </p:txBody>
+      </p:sp>
+      <p:sp>
+        <p:nvSpPr>
+          <p:cNvPr id="7" name="Slide Number Placeholder 6"/>
+          <p:cNvSpPr>
+            <a:spLocks noGrp="1"/>
+          </p:cNvSpPr>
+          <p:nvPr>
+            <p:ph type="sldNum" sz="quarter" idx="5"/>
+          </p:nvPr>
+        </p:nvSpPr>
+        <p:spPr>
+          <a:xfrm>
+            <a:off x="3884613" y="8685213"/>
+            <a:ext cx="2971800" cy="458787"/>
+          </a:xfrm>
+          <a:prstGeom prst="rect">
+            <a:avLst/>
+          </a:prstGeom>
+        </p:spPr>
+        <p:txBody>
+          <a:bodyPr vert="horz" lIns="91440" tIns="45720" rIns="91440" bIns="45720" rtlCol="0" anchor="b"/>
+          <a:lstStyle>
+            <a:lvl1pPr algn="r">
+              <a:defRPr sz="1200"/>
+            </a:lvl1pPr>
+          </a:lstStyle>
+          <a:p>
+            <a:fld id="{6312E735-701C-4363-87A0-CCE79A7C6DB8}" type="slidenum">
+              <a:rPr lang="id-ID" smtClean="0"/>
+              <a:t>‹#›</a:t>
+            </a:fld>
+            <a:endParaRPr lang="id-ID"/>
+          </a:p>
+        </p:txBody>
+      </p:sp>
+    </p:spTree>
+    <p:extLst>
+      <p:ext uri="{BB962C8B-B14F-4D97-AF65-F5344CB8AC3E}">
+        <p14:creationId xmlns:p14="http://schemas.microsoft.com/office/powerpoint/2010/main" val="3066908817"/>
+      </p:ext>
+    </p:extLst>
+  </p:cSld>
+  <p:clrMap bg1="lt1" tx1="dk1" bg2="lt2" tx2="dk2" accent1="accent1" accent2="accent2" accent3="accent3" accent4="accent4" accent5="accent5" accent6="accent6" hlink="hlink" folHlink="folHlink"/>
+  <p:notesStyle>
+    <a:lvl1pPr marL="0" algn="l" defTabSz="914400" rtl="0" eaLnBrk="1" latinLnBrk="0" hangingPunct="1">
+      <a:defRPr sz="1200" kern="1200">
+        <a:solidFill>
+          <a:schemeClr val="tx1"/>
+        </a:solidFill>
+        <a:latin typeface="+mn-lt"/>
+        <a:ea typeface="+mn-ea"/>
+        <a:cs typeface="+mn-cs"/>
+      </a:defRPr>
+    </a:lvl1pPr>
+    <a:lvl2pPr marL="457200" algn="l" defTabSz="914400" rtl="0" eaLnBrk="1" latinLnBrk="0" hangingPunct="1">
+      <a:defRPr sz="1200" kern="1200">
+        <a:solidFill>
+          <a:schemeClr val="tx1"/>
+        </a:solidFill>
+        <a:latin typeface="+mn-lt"/>
+        <a:ea typeface="+mn-ea"/>
+        <a:cs typeface="+mn-cs"/>
+      </a:defRPr>
+    </a:lvl2pPr>
+    <a:lvl3pPr marL="914400" algn="l" defTabSz="914400" rtl="0" eaLnBrk="1" latinLnBrk="0" hangingPunct="1">
+      <a:defRPr sz="1200" kern="1200">
+        <a:solidFill>
+          <a:schemeClr val="tx1"/>
+        </a:solidFill>
+        <a:latin typeface="+mn-lt"/>
+        <a:ea typeface="+mn-ea"/>
+        <a:cs typeface="+mn-cs"/>
+      </a:defRPr>
+    </a:lvl3pPr>
+    <a:lvl4pPr marL="1371600" algn="l" defTabSz="914400" rtl="0" eaLnBrk="1" latinLnBrk="0" hangingPunct="1">
+      <a:defRPr sz="1200" kern="1200">
+        <a:solidFill>
+          <a:schemeClr val="tx1"/>
+        </a:solidFill>
+        <a:latin typeface="+mn-lt"/>
+        <a:ea typeface="+mn-ea"/>
+        <a:cs typeface="+mn-cs"/>
+      </a:defRPr>
+    </a:lvl4pPr>
+    <a:lvl5pPr marL="1828800" algn="l" defTabSz="914400" rtl="0" eaLnBrk="1" latinLnBrk="0" hangingPunct="1">
+      <a:defRPr sz="1200" kern="1200">
+        <a:solidFill>
+          <a:schemeClr val="tx1"/>
+        </a:solidFill>
+        <a:latin typeface="+mn-lt"/>
+        <a:ea typeface="+mn-ea"/>
+        <a:cs typeface="+mn-cs"/>
+      </a:defRPr>
+    </a:lvl5pPr>
+    <a:lvl6pPr marL="2286000" algn="l" defTabSz="914400" rtl="0" eaLnBrk="1" latinLnBrk="0" hangingPunct="1">
+      <a:defRPr sz="1200" kern="1200">
+        <a:solidFill>
+          <a:schemeClr val="tx1"/>
+        </a:solidFill>
+        <a:latin typeface="+mn-lt"/>
+        <a:ea typeface="+mn-ea"/>
+        <a:cs typeface="+mn-cs"/>
+      </a:defRPr>
+    </a:lvl6pPr>
+    <a:lvl7pPr marL="2743200" algn="l" defTabSz="914400" rtl="0" eaLnBrk="1" latinLnBrk="0" hangingPunct="1">
+      <a:defRPr sz="1200" kern="1200">
+        <a:solidFill>
+          <a:schemeClr val="tx1"/>
+        </a:solidFill>
+        <a:latin typeface="+mn-lt"/>
+        <a:ea typeface="+mn-ea"/>
+        <a:cs typeface="+mn-cs"/>
+      </a:defRPr>
+    </a:lvl7pPr>
+    <a:lvl8pPr marL="3200400" algn="l" defTabSz="914400" rtl="0" eaLnBrk="1" latinLnBrk="0" hangingPunct="1">
+      <a:defRPr sz="1200" kern="1200">
+        <a:solidFill>
+          <a:schemeClr val="tx1"/>
+        </a:solidFill>
+        <a:latin typeface="+mn-lt"/>
+        <a:ea typeface="+mn-ea"/>
+        <a:cs typeface="+mn-cs"/>
+      </a:defRPr>
+    </a:lvl8pPr>
+    <a:lvl9pPr marL="3657600" algn="l" defTabSz="914400" rtl="0" eaLnBrk="1" latinLnBrk="0" hangingPunct="1">
+      <a:defRPr sz="1200" kern="1200">
+        <a:solidFill>
+          <a:schemeClr val="tx1"/>
+        </a:solidFill>
+        <a:latin typeface="+mn-lt"/>
+        <a:ea typeface="+mn-ea"/>
+        <a:cs typeface="+mn-cs"/>
+      </a:defRPr>
+    </a:lvl9pPr>
+  </p:notesStyle>
+</p:notesMaster>
+</file>
+
+<file path=ppt/notesSlides/notesSlide1.xml><?xml version="1.0" encoding="utf-8"?>
+<p:notes xmlns:a="http://schemas.openxmlformats.org/drawingml/2006/main" xmlns:r="http://schemas.openxmlformats.org/officeDocument/2006/relationships" xmlns:p="http://schemas.openxmlformats.org/presentationml/2006/main">
+  <p:cSld>
+    <p:spTree>
+      <p:nvGrpSpPr>
+        <p:cNvPr id="1" name=""/>
+        <p:cNvGrpSpPr/>
+        <p:nvPr/>
+      </p:nvGrpSpPr>
+      <p:grpSpPr>
+        <a:xfrm>
+          <a:off x="0" y="0"/>
+          <a:ext cx="0" cy="0"/>
+          <a:chOff x="0" y="0"/>
+          <a:chExt cx="0" cy="0"/>
+        </a:xfrm>
+      </p:grpSpPr>
+      <p:sp>
+        <p:nvSpPr>
+          <p:cNvPr id="2" name="Slide Image Placeholder 1"/>
+          <p:cNvSpPr>
+            <a:spLocks noGrp="1" noRot="1" noChangeAspect="1"/>
+          </p:cNvSpPr>
+          <p:nvPr>
+            <p:ph type="sldImg"/>
+          </p:nvPr>
+        </p:nvSpPr>
+        <p:spPr/>
+      </p:sp>
+      <p:sp>
+        <p:nvSpPr>
+          <p:cNvPr id="3" name="Notes Placeholder 2"/>
+          <p:cNvSpPr>
+            <a:spLocks noGrp="1"/>
+          </p:cNvSpPr>
+          <p:nvPr>
+            <p:ph type="body" idx="1"/>
+          </p:nvPr>
+        </p:nvSpPr>
+        <p:spPr/>
+        <p:txBody>
+          <a:bodyPr/>
+          <a:lstStyle/>
+          <a:p>
+            <a:pPr marL="0" indent="0">
+              <a:buNone/>
+            </a:pPr>
+            <a:r>
+              <a:rPr lang="en-GB" dirty="0" smtClean="0"/>
+              <a:t> </a:t>
+            </a:r>
+            <a:r>
+              <a:rPr lang="en-GB" dirty="0" err="1" smtClean="0"/>
+              <a:t>Kelebihan</a:t>
+            </a:r>
+            <a:r>
+              <a:rPr lang="en-GB" dirty="0" smtClean="0"/>
+              <a:t> : </a:t>
+            </a:r>
+          </a:p>
+          <a:p>
+            <a:pPr>
+              <a:buFont typeface="Arial" panose="020B0604020202020204" pitchFamily="34" charset="0"/>
+              <a:buChar char="•"/>
+            </a:pPr>
+            <a:r>
+              <a:rPr lang="en-GB" dirty="0" err="1" smtClean="0"/>
+              <a:t>Mengenkripsi</a:t>
+            </a:r>
+            <a:r>
+              <a:rPr lang="en-GB" dirty="0" smtClean="0"/>
+              <a:t> </a:t>
+            </a:r>
+            <a:r>
+              <a:rPr lang="en-GB" dirty="0" err="1" smtClean="0"/>
+              <a:t>lebih</a:t>
+            </a:r>
+            <a:r>
+              <a:rPr lang="en-GB" dirty="0" smtClean="0"/>
+              <a:t> </a:t>
+            </a:r>
+            <a:r>
+              <a:rPr lang="en-GB" dirty="0" err="1" smtClean="0"/>
+              <a:t>cepat</a:t>
+            </a:r>
+            <a:r>
+              <a:rPr lang="en-GB" dirty="0" smtClean="0"/>
+              <a:t> (</a:t>
+            </a:r>
+            <a:r>
+              <a:rPr lang="en-US" dirty="0" err="1" smtClean="0"/>
+              <a:t>Optimised</a:t>
+            </a:r>
+            <a:r>
+              <a:rPr lang="en-US" dirty="0" smtClean="0"/>
+              <a:t> for software applications with high throughput requirements).</a:t>
+            </a:r>
+            <a:endParaRPr lang="en-GB" dirty="0" smtClean="0"/>
+          </a:p>
+          <a:p>
+            <a:pPr>
+              <a:buFont typeface="Arial" panose="020B0604020202020204" pitchFamily="34" charset="0"/>
+              <a:buChar char="•"/>
+            </a:pPr>
+            <a:r>
+              <a:rPr lang="en-GB" dirty="0" err="1" smtClean="0"/>
+              <a:t>Kompleksitas</a:t>
+            </a:r>
+            <a:r>
+              <a:rPr lang="en-GB" dirty="0" smtClean="0"/>
+              <a:t> hardware yang </a:t>
+            </a:r>
+            <a:r>
+              <a:rPr lang="en-GB" dirty="0" err="1" smtClean="0"/>
+              <a:t>rendah</a:t>
+            </a:r>
+            <a:r>
+              <a:rPr lang="en-GB" dirty="0" smtClean="0"/>
+              <a:t> (</a:t>
+            </a:r>
+            <a:r>
+              <a:rPr lang="en-US" dirty="0" err="1" smtClean="0"/>
+              <a:t>Optimised</a:t>
+            </a:r>
+            <a:r>
+              <a:rPr lang="en-US" dirty="0" smtClean="0"/>
+              <a:t> for hardware applications with restricted resources).</a:t>
+            </a:r>
+          </a:p>
+          <a:p>
+            <a:pPr marL="0" marR="0" indent="0" algn="l" defTabSz="914400" rtl="0" eaLnBrk="1" fontAlgn="auto" latinLnBrk="0" hangingPunct="1">
+              <a:lnSpc>
+                <a:spcPct val="100000"/>
+              </a:lnSpc>
+              <a:spcBef>
+                <a:spcPts val="0"/>
+              </a:spcBef>
+              <a:spcAft>
+                <a:spcPts val="0"/>
+              </a:spcAft>
+              <a:buClrTx/>
+              <a:buSzTx/>
+              <a:buFontTx/>
+              <a:buNone/>
+              <a:tabLst/>
+              <a:defRPr/>
+            </a:pPr>
+            <a:endParaRPr lang="en-US" dirty="0" smtClean="0"/>
+          </a:p>
+          <a:p>
+            <a:r>
+              <a:rPr lang="en-GB" dirty="0" err="1" smtClean="0"/>
+              <a:t>Kekurangan</a:t>
+            </a:r>
+            <a:r>
+              <a:rPr lang="en-GB" dirty="0" smtClean="0"/>
+              <a:t> :</a:t>
+            </a:r>
+          </a:p>
+          <a:p>
+            <a:pPr>
+              <a:buFont typeface="Arial" panose="020B0604020202020204" pitchFamily="34" charset="0"/>
+              <a:buChar char="•"/>
+            </a:pPr>
+            <a:r>
+              <a:rPr lang="en-US" dirty="0" smtClean="0"/>
+              <a:t>Low diffusion: all information of a plaintext symbol is contained in a single </a:t>
+            </a:r>
+            <a:r>
+              <a:rPr lang="en-US" dirty="0" err="1" smtClean="0"/>
+              <a:t>ciphertext</a:t>
+            </a:r>
+            <a:r>
+              <a:rPr lang="en-US" dirty="0" smtClean="0"/>
+              <a:t> symbol.</a:t>
+            </a:r>
+          </a:p>
+          <a:p>
+            <a:pPr>
+              <a:buFont typeface="Arial" panose="020B0604020202020204" pitchFamily="34" charset="0"/>
+              <a:buChar char="•"/>
+            </a:pPr>
+            <a:r>
+              <a:rPr lang="en-US" dirty="0" err="1" smtClean="0"/>
+              <a:t>Rentan</a:t>
+            </a:r>
+            <a:r>
+              <a:rPr lang="en-US" dirty="0" smtClean="0"/>
+              <a:t> </a:t>
+            </a:r>
+            <a:r>
+              <a:rPr lang="en-US" dirty="0" err="1" smtClean="0"/>
+              <a:t>untuk</a:t>
+            </a:r>
+            <a:r>
+              <a:rPr lang="en-US" dirty="0" smtClean="0"/>
+              <a:t> </a:t>
+            </a:r>
+            <a:r>
+              <a:rPr lang="en-US" dirty="0" err="1" smtClean="0"/>
+              <a:t>dimodifikasi</a:t>
+            </a:r>
+            <a:r>
+              <a:rPr lang="en-US" dirty="0" smtClean="0"/>
+              <a:t> </a:t>
+            </a:r>
+          </a:p>
+          <a:p>
+            <a:pPr>
+              <a:buFont typeface="Arial" panose="020B0604020202020204" pitchFamily="34" charset="0"/>
+              <a:buChar char="•"/>
+            </a:pPr>
+            <a:r>
+              <a:rPr lang="en-US" dirty="0" smtClean="0"/>
+              <a:t>bit error caused by noise on the channel</a:t>
+            </a:r>
+            <a:endParaRPr lang="en-GB" dirty="0" smtClean="0"/>
+          </a:p>
+          <a:p>
+            <a:pPr marL="0" marR="0" indent="0" algn="l" defTabSz="914400" rtl="0" eaLnBrk="1" fontAlgn="auto" latinLnBrk="0" hangingPunct="1">
+              <a:lnSpc>
+                <a:spcPct val="100000"/>
+              </a:lnSpc>
+              <a:spcBef>
+                <a:spcPts val="0"/>
+              </a:spcBef>
+              <a:spcAft>
+                <a:spcPts val="0"/>
+              </a:spcAft>
+              <a:buClrTx/>
+              <a:buSzTx/>
+              <a:buFontTx/>
+              <a:buNone/>
+              <a:tabLst/>
+              <a:defRPr/>
+            </a:pPr>
+            <a:endParaRPr lang="en-US" dirty="0" smtClean="0"/>
+          </a:p>
+          <a:p>
+            <a:pPr marL="0" marR="0" indent="0" algn="l" defTabSz="914400" rtl="0" eaLnBrk="1" fontAlgn="auto" latinLnBrk="0" hangingPunct="1">
+              <a:lnSpc>
+                <a:spcPct val="100000"/>
+              </a:lnSpc>
+              <a:spcBef>
+                <a:spcPts val="0"/>
+              </a:spcBef>
+              <a:spcAft>
+                <a:spcPts val="0"/>
+              </a:spcAft>
+              <a:buClrTx/>
+              <a:buSzTx/>
+              <a:buFontTx/>
+              <a:buNone/>
+              <a:tabLst/>
+              <a:defRPr/>
+            </a:pPr>
+            <a:r>
+              <a:rPr lang="en-US" dirty="0" err="1" smtClean="0"/>
+              <a:t>Rentan</a:t>
+            </a:r>
+            <a:r>
+              <a:rPr lang="en-US" dirty="0" smtClean="0"/>
+              <a:t> </a:t>
+            </a:r>
+            <a:r>
+              <a:rPr lang="en-US" dirty="0" err="1" smtClean="0"/>
+              <a:t>untuk</a:t>
+            </a:r>
+            <a:r>
+              <a:rPr lang="en-US" dirty="0" smtClean="0"/>
+              <a:t> </a:t>
+            </a:r>
+            <a:r>
+              <a:rPr lang="en-US" dirty="0" err="1" smtClean="0"/>
+              <a:t>dimodifikasi</a:t>
+            </a:r>
+            <a:r>
+              <a:rPr lang="en-US" dirty="0" smtClean="0"/>
+              <a:t> (If a </a:t>
+            </a:r>
+            <a:r>
+              <a:rPr lang="en-US" dirty="0" err="1" smtClean="0"/>
+              <a:t>ciphertext</a:t>
+            </a:r>
+            <a:r>
+              <a:rPr lang="en-US" dirty="0" smtClean="0"/>
+              <a:t> bit is deleted or inserted during transmission, the sender and receiver will lose synchronization)</a:t>
+            </a:r>
+          </a:p>
+          <a:p>
+            <a:endParaRPr lang="id-ID" dirty="0"/>
+          </a:p>
+        </p:txBody>
+      </p:sp>
+      <p:sp>
+        <p:nvSpPr>
+          <p:cNvPr id="4" name="Slide Number Placeholder 3"/>
+          <p:cNvSpPr>
+            <a:spLocks noGrp="1"/>
+          </p:cNvSpPr>
+          <p:nvPr>
+            <p:ph type="sldNum" sz="quarter" idx="10"/>
+          </p:nvPr>
+        </p:nvSpPr>
+        <p:spPr/>
+        <p:txBody>
+          <a:bodyPr/>
+          <a:lstStyle/>
+          <a:p>
+            <a:fld id="{6312E735-701C-4363-87A0-CCE79A7C6DB8}" type="slidenum">
+              <a:rPr lang="id-ID" smtClean="0"/>
+              <a:t>4</a:t>
+            </a:fld>
+            <a:endParaRPr lang="id-ID"/>
+          </a:p>
+        </p:txBody>
+      </p:sp>
+    </p:spTree>
+    <p:extLst>
+      <p:ext uri="{BB962C8B-B14F-4D97-AF65-F5344CB8AC3E}">
+        <p14:creationId xmlns:p14="http://schemas.microsoft.com/office/powerpoint/2010/main" val="3025707287"/>
+      </p:ext>
+    </p:extLst>
+  </p:cSld>
+  <p:clrMapOvr>
+    <a:masterClrMapping/>
+  </p:clrMapOvr>
+</p:notes>
+</file>
+
 <file path=ppt/slideLayouts/slideLayout1.xml><?xml version="1.0" encoding="utf-8"?>
 <p:sldLayout xmlns:a="http://schemas.openxmlformats.org/drawingml/2006/main" xmlns:r="http://schemas.openxmlformats.org/officeDocument/2006/relationships" xmlns:p="http://schemas.openxmlformats.org/presentationml/2006/main" showMasterSp="0" type="title" preserve="1">
   <p:cSld name="Title Slide">
@@ -347,7 +1029,7 @@
           <a:p>
             <a:fld id="{96DFF08F-DC6B-4601-B491-B0F83F6DD2DA}" type="datetimeFigureOut">
               <a:rPr lang="en-US" dirty="0"/>
-              <a:t>3/10/2015</a:t>
+              <a:t>3/11/2015</a:t>
             </a:fld>
             <a:endParaRPr lang="en-US" dirty="0"/>
           </a:p>
@@ -550,7 +1232,7 @@
           <a:p>
             <a:fld id="{96DFF08F-DC6B-4601-B491-B0F83F6DD2DA}" type="datetimeFigureOut">
               <a:rPr lang="en-US" dirty="0"/>
-              <a:t>3/10/2015</a:t>
+              <a:t>3/11/2015</a:t>
             </a:fld>
             <a:endParaRPr lang="en-US" dirty="0"/>
           </a:p>
@@ -803,7 +1485,7 @@
           <a:p>
             <a:fld id="{96DFF08F-DC6B-4601-B491-B0F83F6DD2DA}" type="datetimeFigureOut">
               <a:rPr lang="en-US" dirty="0"/>
-              <a:t>3/10/2015</a:t>
+              <a:t>3/11/2015</a:t>
             </a:fld>
             <a:endParaRPr lang="en-US" dirty="0"/>
           </a:p>
@@ -968,7 +1650,7 @@
           <a:p>
             <a:fld id="{2A57D7DE-61AE-4BC6-A87E-9454F8FD646E}" type="datetimeFigureOut">
               <a:rPr lang="en-US" dirty="0"/>
-              <a:t>3/10/2015</a:t>
+              <a:t>3/11/2015</a:t>
             </a:fld>
             <a:endParaRPr lang="en-US" dirty="0"/>
           </a:p>
@@ -1300,7 +1982,7 @@
           <a:p>
             <a:fld id="{96DFF08F-DC6B-4601-B491-B0F83F6DD2DA}" type="datetimeFigureOut">
               <a:rPr lang="en-US" dirty="0"/>
-              <a:t>3/10/2015</a:t>
+              <a:t>3/11/2015</a:t>
             </a:fld>
             <a:endParaRPr lang="en-US" dirty="0"/>
           </a:p>
@@ -1570,7 +2252,7 @@
           <a:p>
             <a:fld id="{96DFF08F-DC6B-4601-B491-B0F83F6DD2DA}" type="datetimeFigureOut">
               <a:rPr lang="en-US" dirty="0"/>
-              <a:t>3/10/2015</a:t>
+              <a:t>3/11/2015</a:t>
             </a:fld>
             <a:endParaRPr lang="en-US" dirty="0"/>
           </a:p>
@@ -1948,7 +2630,7 @@
           <a:p>
             <a:fld id="{96DFF08F-DC6B-4601-B491-B0F83F6DD2DA}" type="datetimeFigureOut">
               <a:rPr lang="en-US" dirty="0"/>
-              <a:t>3/10/2015</a:t>
+              <a:t>3/11/2015</a:t>
             </a:fld>
             <a:endParaRPr lang="en-US" dirty="0"/>
           </a:p>
@@ -2061,7 +2743,7 @@
           <a:p>
             <a:fld id="{96DFF08F-DC6B-4601-B491-B0F83F6DD2DA}" type="datetimeFigureOut">
               <a:rPr lang="en-US" dirty="0"/>
-              <a:t>3/10/2015</a:t>
+              <a:t>3/11/2015</a:t>
             </a:fld>
             <a:endParaRPr lang="en-US" dirty="0"/>
           </a:p>
@@ -2230,7 +2912,7 @@
             <a:fld id="{96DFF08F-DC6B-4601-B491-B0F83F6DD2DA}" type="datetimeFigureOut">
               <a:rPr lang="en-US" dirty="0"/>
               <a:pPr/>
-              <a:t>3/10/2015</a:t>
+              <a:t>3/11/2015</a:t>
             </a:fld>
             <a:endParaRPr lang="en-US" dirty="0"/>
           </a:p>
@@ -2583,7 +3265,7 @@
             <a:fld id="{96DFF08F-DC6B-4601-B491-B0F83F6DD2DA}" type="datetimeFigureOut">
               <a:rPr lang="en-US" dirty="0"/>
               <a:pPr/>
-              <a:t>3/10/2015</a:t>
+              <a:t>3/11/2015</a:t>
             </a:fld>
             <a:endParaRPr lang="en-US" dirty="0"/>
           </a:p>
@@ -2928,7 +3610,7 @@
             <a:fld id="{96DFF08F-DC6B-4601-B491-B0F83F6DD2DA}" type="datetimeFigureOut">
               <a:rPr lang="en-US" dirty="0"/>
               <a:pPr/>
-              <a:t>3/10/2015</a:t>
+              <a:t>3/11/2015</a:t>
             </a:fld>
             <a:endParaRPr lang="en-US" dirty="0"/>
           </a:p>
@@ -3236,7 +3918,7 @@
             <a:fld id="{96DFF08F-DC6B-4601-B491-B0F83F6DD2DA}" type="datetimeFigureOut">
               <a:rPr lang="en-US" dirty="0"/>
               <a:pPr/>
-              <a:t>3/10/2015</a:t>
+              <a:t>3/11/2015</a:t>
             </a:fld>
             <a:endParaRPr lang="en-US" dirty="0"/>
           </a:p>
@@ -3804,6 +4486,38 @@
           <a:bodyPr/>
           <a:lstStyle/>
           <a:p>
+            <a:r>
+              <a:rPr lang="en-GB" dirty="0" err="1" smtClean="0"/>
+              <a:t>Algoritma</a:t>
+            </a:r>
+            <a:r>
+              <a:rPr lang="en-GB" dirty="0" smtClean="0"/>
+              <a:t> </a:t>
+            </a:r>
+            <a:r>
+              <a:rPr lang="en-GB" dirty="0" err="1" smtClean="0"/>
+              <a:t>enkripsi</a:t>
+            </a:r>
+            <a:r>
+              <a:rPr lang="en-GB" dirty="0" smtClean="0"/>
+              <a:t> </a:t>
+            </a:r>
+            <a:r>
+              <a:rPr lang="en-GB" dirty="0" err="1" smtClean="0"/>
+              <a:t>untuk</a:t>
+            </a:r>
+            <a:r>
+              <a:rPr lang="en-GB" dirty="0" smtClean="0"/>
+              <a:t> </a:t>
+            </a:r>
+            <a:r>
+              <a:rPr lang="en-GB" dirty="0" err="1" smtClean="0"/>
+              <a:t>aplikasi</a:t>
+            </a:r>
+            <a:r>
+              <a:rPr lang="en-GB" dirty="0" smtClean="0"/>
+              <a:t> chatting</a:t>
+            </a:r>
             <a:endParaRPr lang="id-ID" dirty="0"/>
           </a:p>
         </p:txBody>
@@ -4138,134 +4852,208 @@
       </p:grpSpPr>
       <p:sp>
         <p:nvSpPr>
-          <p:cNvPr id="2" name="TextBox 1"/>
-          <p:cNvSpPr txBox="1"/>
-          <p:nvPr/>
+          <p:cNvPr id="2" name="Title 1"/>
+          <p:cNvSpPr>
+            <a:spLocks noGrp="1"/>
+          </p:cNvSpPr>
+          <p:nvPr>
+            <p:ph type="title"/>
+          </p:nvPr>
+        </p:nvSpPr>
+        <p:spPr/>
+        <p:txBody>
+          <a:bodyPr/>
+          <a:lstStyle/>
+          <a:p>
+            <a:r>
+              <a:rPr lang="en-GB" dirty="0" smtClean="0">
+                <a:latin typeface="Bebas Neue" panose="020B0606020202050201" pitchFamily="34" charset="0"/>
+              </a:rPr>
+              <a:t>Stream cipher</a:t>
+            </a:r>
+            <a:endParaRPr lang="id-ID" dirty="0">
+              <a:latin typeface="Bebas Neue" panose="020B0606020202050201" pitchFamily="34" charset="0"/>
+            </a:endParaRPr>
+          </a:p>
+        </p:txBody>
+      </p:sp>
+      <p:sp>
+        <p:nvSpPr>
+          <p:cNvPr id="3" name="Content Placeholder 2"/>
+          <p:cNvSpPr>
+            <a:spLocks noGrp="1"/>
+          </p:cNvSpPr>
+          <p:nvPr>
+            <p:ph sz="half" idx="1"/>
+          </p:nvPr>
+        </p:nvSpPr>
+        <p:spPr/>
+        <p:txBody>
+          <a:bodyPr/>
+          <a:lstStyle/>
+          <a:p>
+            <a:pPr marL="0" indent="0">
+              <a:buNone/>
+            </a:pPr>
+            <a:r>
+              <a:rPr lang="en-GB" dirty="0" smtClean="0"/>
+              <a:t>  </a:t>
+            </a:r>
+            <a:r>
+              <a:rPr lang="en-GB" dirty="0" err="1" smtClean="0"/>
+              <a:t>Kelebihan</a:t>
+            </a:r>
+            <a:r>
+              <a:rPr lang="en-GB" dirty="0" smtClean="0"/>
+              <a:t> : </a:t>
+            </a:r>
+          </a:p>
+          <a:p>
+            <a:pPr>
+              <a:buFont typeface="Arial" panose="020B0604020202020204" pitchFamily="34" charset="0"/>
+              <a:buChar char="•"/>
+            </a:pPr>
+            <a:r>
+              <a:rPr lang="en-GB" dirty="0" err="1" smtClean="0"/>
+              <a:t>Mengenkripsi</a:t>
+            </a:r>
+            <a:r>
+              <a:rPr lang="en-GB" dirty="0" smtClean="0"/>
+              <a:t> </a:t>
+            </a:r>
+            <a:r>
+              <a:rPr lang="en-GB" dirty="0" err="1" smtClean="0"/>
+              <a:t>lebih</a:t>
+            </a:r>
+            <a:r>
+              <a:rPr lang="en-GB" dirty="0" smtClean="0"/>
+              <a:t> </a:t>
+            </a:r>
+            <a:r>
+              <a:rPr lang="en-GB" dirty="0" err="1" smtClean="0"/>
+              <a:t>cepat</a:t>
+            </a:r>
+            <a:endParaRPr lang="en-GB" dirty="0" smtClean="0"/>
+          </a:p>
+          <a:p>
+            <a:pPr>
+              <a:buFont typeface="Arial" panose="020B0604020202020204" pitchFamily="34" charset="0"/>
+              <a:buChar char="•"/>
+            </a:pPr>
+            <a:r>
+              <a:rPr lang="en-GB" dirty="0" err="1" smtClean="0"/>
+              <a:t>Kompleksitas</a:t>
+            </a:r>
+            <a:r>
+              <a:rPr lang="en-GB" dirty="0" smtClean="0"/>
+              <a:t> hardware yang </a:t>
+            </a:r>
+            <a:r>
+              <a:rPr lang="en-GB" dirty="0" err="1" smtClean="0"/>
+              <a:t>rendah</a:t>
+            </a:r>
+            <a:endParaRPr lang="en-GB" dirty="0" smtClean="0"/>
+          </a:p>
+        </p:txBody>
+      </p:sp>
+      <p:sp>
+        <p:nvSpPr>
+          <p:cNvPr id="4" name="Content Placeholder 3"/>
+          <p:cNvSpPr>
+            <a:spLocks noGrp="1"/>
+          </p:cNvSpPr>
+          <p:nvPr>
+            <p:ph sz="half" idx="2"/>
+          </p:nvPr>
         </p:nvSpPr>
         <p:spPr>
           <a:xfrm>
-            <a:off x="1018816" y="969323"/>
-            <a:ext cx="10381957" cy="1446550"/>
+            <a:off x="6217920" y="1845733"/>
+            <a:ext cx="4937760" cy="4023360"/>
           </a:xfrm>
-          <a:prstGeom prst="rect">
-            <a:avLst/>
-          </a:prstGeom>
-          <a:noFill/>
         </p:spPr>
         <p:txBody>
-          <a:bodyPr wrap="square" rtlCol="0">
-            <a:spAutoFit/>
-          </a:bodyPr>
+          <a:bodyPr/>
           <a:lstStyle/>
           <a:p>
-            <a:pPr algn="ctr"/>
-            <a:r>
-              <a:rPr lang="en-GB" sz="8800" dirty="0" smtClean="0">
-                <a:ea typeface="DaddysGirl" panose="02000603000000000000" pitchFamily="2" charset="0"/>
-              </a:rPr>
-              <a:t>STREAM </a:t>
-            </a:r>
-            <a:r>
-              <a:rPr lang="en-GB" sz="8800" dirty="0" smtClean="0">
-                <a:ea typeface="DaddysGirl" panose="02000603000000000000" pitchFamily="2" charset="0"/>
-              </a:rPr>
-              <a:t>CIPHER</a:t>
-            </a:r>
-            <a:endParaRPr lang="id-ID" sz="8800" dirty="0">
-              <a:ea typeface="DaddysGirl" panose="02000603000000000000" pitchFamily="2" charset="0"/>
-            </a:endParaRPr>
-          </a:p>
-        </p:txBody>
-      </p:sp>
-      <p:sp>
-        <p:nvSpPr>
-          <p:cNvPr id="3" name="TextBox 2"/>
-          <p:cNvSpPr txBox="1"/>
-          <p:nvPr/>
-        </p:nvSpPr>
-        <p:spPr>
-          <a:xfrm>
-            <a:off x="455724" y="2875365"/>
-            <a:ext cx="5882446" cy="1020230"/>
-          </a:xfrm>
-          <a:prstGeom prst="rect">
-            <a:avLst/>
-          </a:prstGeom>
-          <a:noFill/>
-        </p:spPr>
-        <p:txBody>
-          <a:bodyPr wrap="square" rtlCol="0">
-            <a:spAutoFit/>
-          </a:bodyPr>
-          <a:lstStyle/>
-          <a:p>
-            <a:pPr algn="ctr"/>
-            <a:r>
-              <a:rPr lang="en-GB" sz="6000" dirty="0">
-                <a:ea typeface="DaddysGirl" panose="02000603000000000000" pitchFamily="2" charset="0"/>
-              </a:rPr>
-              <a:t>o</a:t>
-            </a:r>
-            <a:r>
-              <a:rPr lang="en-GB" sz="6000" dirty="0" smtClean="0">
-                <a:ea typeface="DaddysGirl" panose="02000603000000000000" pitchFamily="2" charset="0"/>
-              </a:rPr>
-              <a:t>ne time pad</a:t>
-            </a:r>
-            <a:endParaRPr lang="id-ID" sz="6000" dirty="0">
-              <a:ea typeface="DaddysGirl" panose="02000603000000000000" pitchFamily="2" charset="0"/>
-            </a:endParaRPr>
-          </a:p>
-        </p:txBody>
-      </p:sp>
-      <p:sp>
-        <p:nvSpPr>
-          <p:cNvPr id="4" name="TextBox 3"/>
-          <p:cNvSpPr txBox="1"/>
-          <p:nvPr/>
-        </p:nvSpPr>
-        <p:spPr>
-          <a:xfrm>
-            <a:off x="1152395" y="4355087"/>
-            <a:ext cx="10248378" cy="1015663"/>
-          </a:xfrm>
-          <a:prstGeom prst="rect">
-            <a:avLst/>
-          </a:prstGeom>
-          <a:noFill/>
-        </p:spPr>
-        <p:txBody>
-          <a:bodyPr wrap="square" rtlCol="0">
-            <a:spAutoFit/>
-          </a:bodyPr>
-          <a:lstStyle/>
-          <a:p>
-            <a:pPr algn="ctr"/>
-            <a:r>
-              <a:rPr lang="en-GB" sz="6000" dirty="0">
-                <a:ea typeface="DaddysGirl" panose="02000603000000000000" pitchFamily="2" charset="0"/>
-              </a:rPr>
-              <a:t>p</a:t>
-            </a:r>
-            <a:r>
-              <a:rPr lang="en-GB" sz="6000" dirty="0" smtClean="0">
-                <a:ea typeface="DaddysGirl" panose="02000603000000000000" pitchFamily="2" charset="0"/>
-              </a:rPr>
-              <a:t>seudorandom </a:t>
-            </a:r>
-            <a:r>
-              <a:rPr lang="en-GB" sz="6000" dirty="0" smtClean="0">
-                <a:ea typeface="DaddysGirl" panose="02000603000000000000" pitchFamily="2" charset="0"/>
-              </a:rPr>
-              <a:t>generator</a:t>
-            </a:r>
+            <a:r>
+              <a:rPr lang="en-GB" dirty="0" err="1" smtClean="0"/>
+              <a:t>Kekurangan</a:t>
+            </a:r>
+            <a:r>
+              <a:rPr lang="en-GB" dirty="0" smtClean="0"/>
+              <a:t> :</a:t>
+            </a:r>
+          </a:p>
+          <a:p>
+            <a:pPr>
+              <a:buFont typeface="Arial" panose="020B0604020202020204" pitchFamily="34" charset="0"/>
+              <a:buChar char="•"/>
+            </a:pPr>
+            <a:r>
+              <a:rPr lang="en-US" dirty="0"/>
+              <a:t>Low </a:t>
+            </a:r>
+            <a:r>
+              <a:rPr lang="en-US" dirty="0" smtClean="0"/>
+              <a:t>diffusion:</a:t>
+            </a:r>
+          </a:p>
+          <a:p>
+            <a:pPr>
+              <a:buFont typeface="Arial" panose="020B0604020202020204" pitchFamily="34" charset="0"/>
+              <a:buChar char="•"/>
+            </a:pPr>
+            <a:r>
+              <a:rPr lang="en-US" dirty="0" err="1" smtClean="0"/>
+              <a:t>Rentan</a:t>
+            </a:r>
+            <a:r>
+              <a:rPr lang="en-US" dirty="0" smtClean="0"/>
+              <a:t> </a:t>
+            </a:r>
+            <a:r>
+              <a:rPr lang="en-US" dirty="0" err="1" smtClean="0"/>
+              <a:t>untuk</a:t>
+            </a:r>
+            <a:r>
+              <a:rPr lang="en-US" dirty="0" smtClean="0"/>
+              <a:t> </a:t>
+            </a:r>
+            <a:r>
+              <a:rPr lang="en-US" dirty="0" err="1" smtClean="0"/>
+              <a:t>dimodifikasi</a:t>
+            </a:r>
+            <a:r>
+              <a:rPr lang="en-US" dirty="0"/>
+              <a:t> </a:t>
+            </a:r>
+            <a:endParaRPr lang="en-US" dirty="0" smtClean="0"/>
+          </a:p>
+          <a:p>
+            <a:pPr>
+              <a:buFont typeface="Arial" panose="020B0604020202020204" pitchFamily="34" charset="0"/>
+              <a:buChar char="•"/>
+            </a:pPr>
+            <a:r>
+              <a:rPr lang="en-US" dirty="0" smtClean="0"/>
+              <a:t>bit error caused by noise on the channel</a:t>
+            </a:r>
+            <a:endParaRPr lang="en-GB" dirty="0" smtClean="0"/>
+          </a:p>
+          <a:p>
+            <a:pPr>
+              <a:buFont typeface="Wingdings" panose="05000000000000000000" pitchFamily="2" charset="2"/>
+              <a:buChar char="§"/>
+            </a:pPr>
+            <a:endParaRPr lang="id-ID" dirty="0"/>
           </a:p>
         </p:txBody>
       </p:sp>
     </p:spTree>
     <p:extLst>
       <p:ext uri="{BB962C8B-B14F-4D97-AF65-F5344CB8AC3E}">
-        <p14:creationId xmlns:p14="http://schemas.microsoft.com/office/powerpoint/2010/main" val="812740652"/>
+        <p14:creationId xmlns:p14="http://schemas.microsoft.com/office/powerpoint/2010/main" val="527900952"/>
       </p:ext>
     </p:extLst>
   </p:cSld>
@@ -4318,7 +5106,7 @@
               <a:rPr lang="en-GB" dirty="0" smtClean="0">
                 <a:latin typeface="Bebas Neue" panose="020B0606020202050201" pitchFamily="34" charset="0"/>
               </a:rPr>
-              <a:t>Stream cipher</a:t>
+              <a:t>One time pad &amp; pseudorandom generator</a:t>
             </a:r>
             <a:endParaRPr lang="id-ID" dirty="0">
               <a:latin typeface="Bebas Neue" panose="020B0606020202050201" pitchFamily="34" charset="0"/>
@@ -4333,10 +5121,15 @@
             <a:spLocks noGrp="1"/>
           </p:cNvSpPr>
           <p:nvPr>
-            <p:ph idx="1"/>
-          </p:nvPr>
-        </p:nvSpPr>
-        <p:spPr/>
+            <p:ph sz="half" idx="1"/>
+          </p:nvPr>
+        </p:nvSpPr>
+        <p:spPr>
+          <a:xfrm>
+            <a:off x="1097278" y="1845734"/>
+            <a:ext cx="4937760" cy="421477"/>
+          </a:xfrm>
+        </p:spPr>
         <p:txBody>
           <a:bodyPr/>
           <a:lstStyle/>
@@ -4346,30 +5139,49 @@
               <a:buChar char="•"/>
             </a:pPr>
             <a:r>
-              <a:rPr lang="en-GB" dirty="0"/>
-              <a:t> </a:t>
+              <a:rPr lang="en-GB" dirty="0" smtClean="0"/>
+              <a:t>Linear </a:t>
             </a:r>
             <a:r>
               <a:rPr lang="en-GB" dirty="0" err="1" smtClean="0"/>
-              <a:t>Mengenkripsi</a:t>
+              <a:t>Congruential</a:t>
             </a:r>
             <a:r>
               <a:rPr lang="en-GB" dirty="0" smtClean="0"/>
-              <a:t> </a:t>
-            </a:r>
+              <a:t> Generator</a:t>
+            </a:r>
+            <a:endParaRPr lang="id-ID" dirty="0"/>
+          </a:p>
+        </p:txBody>
+      </p:sp>
+      <p:sp>
+        <p:nvSpPr>
+          <p:cNvPr id="4" name="Content Placeholder 3"/>
+          <p:cNvSpPr>
+            <a:spLocks noGrp="1"/>
+          </p:cNvSpPr>
+          <p:nvPr>
+            <p:ph sz="half" idx="2"/>
+          </p:nvPr>
+        </p:nvSpPr>
+        <p:spPr>
+          <a:xfrm>
+            <a:off x="6217920" y="2375585"/>
+            <a:ext cx="4937760" cy="3493510"/>
+          </a:xfrm>
+        </p:spPr>
+        <p:txBody>
+          <a:bodyPr/>
+          <a:lstStyle/>
+          <a:p>
             <a:r>
               <a:rPr lang="en-GB" dirty="0" err="1" smtClean="0"/>
-              <a:t>lebih</a:t>
+              <a:t>Kekurangan</a:t>
             </a:r>
             <a:r>
               <a:rPr lang="en-GB" dirty="0" smtClean="0"/>
-              <a:t> </a:t>
-            </a:r>
-            <a:r>
-              <a:rPr lang="en-GB" dirty="0" err="1" smtClean="0"/>
-              <a:t>cepat</a:t>
-            </a:r>
-            <a:endParaRPr lang="en-GB" dirty="0" smtClean="0"/>
+              <a:t> :</a:t>
+            </a:r>
           </a:p>
           <a:p>
             <a:pPr>
@@ -4377,10 +5189,13 @@
               <a:buChar char="•"/>
             </a:pPr>
             <a:r>
-              <a:rPr lang="id-ID" dirty="0" smtClean="0"/>
-              <a:t>lower hardware complexity</a:t>
-            </a:r>
-            <a:endParaRPr lang="en-GB" dirty="0" smtClean="0"/>
+              <a:rPr lang="en-GB" dirty="0" err="1" smtClean="0"/>
+              <a:t>Mengirim</a:t>
+            </a:r>
+            <a:r>
+              <a:rPr lang="en-GB" dirty="0" smtClean="0"/>
+              <a:t> key + cipher text</a:t>
+            </a:r>
           </a:p>
           <a:p>
             <a:pPr>
@@ -4388,14 +5203,321 @@
               <a:buChar char="•"/>
             </a:pPr>
             <a:r>
-              <a:rPr lang="en-US" dirty="0" err="1"/>
-              <a:t>Optimised</a:t>
-            </a:r>
-            <a:r>
-              <a:rPr lang="en-US" dirty="0"/>
-              <a:t> for software applications with high throughput requirements.</a:t>
-            </a:r>
-            <a:endParaRPr lang="en-GB" dirty="0" smtClean="0"/>
+              <a:rPr lang="en-GB" dirty="0" smtClean="0"/>
+              <a:t>Key </a:t>
+            </a:r>
+            <a:r>
+              <a:rPr lang="en-GB" dirty="0" err="1" smtClean="0"/>
+              <a:t>tidak</a:t>
+            </a:r>
+            <a:r>
+              <a:rPr lang="en-GB" dirty="0" smtClean="0"/>
+              <a:t> </a:t>
+            </a:r>
+            <a:r>
+              <a:rPr lang="en-GB" dirty="0" err="1" smtClean="0"/>
+              <a:t>bisa</a:t>
+            </a:r>
+            <a:r>
+              <a:rPr lang="en-GB" dirty="0" smtClean="0"/>
+              <a:t> </a:t>
+            </a:r>
+            <a:r>
+              <a:rPr lang="en-GB" dirty="0" err="1" smtClean="0"/>
+              <a:t>digunakan</a:t>
+            </a:r>
+            <a:r>
+              <a:rPr lang="en-GB" dirty="0" smtClean="0"/>
+              <a:t> </a:t>
+            </a:r>
+            <a:r>
+              <a:rPr lang="en-GB" dirty="0" err="1" smtClean="0"/>
+              <a:t>dua</a:t>
+            </a:r>
+            <a:r>
+              <a:rPr lang="en-GB" dirty="0" smtClean="0"/>
+              <a:t> kali</a:t>
+            </a:r>
+            <a:endParaRPr lang="id-ID" dirty="0"/>
+          </a:p>
+        </p:txBody>
+      </p:sp>
+      <p:sp>
+        <p:nvSpPr>
+          <p:cNvPr id="5" name="Content Placeholder 3"/>
+          <p:cNvSpPr txBox="1">
+            <a:spLocks/>
+          </p:cNvSpPr>
+          <p:nvPr/>
+        </p:nvSpPr>
+        <p:spPr>
+          <a:xfrm>
+            <a:off x="1097278" y="2375585"/>
+            <a:ext cx="4937760" cy="3687012"/>
+          </a:xfrm>
+          <a:prstGeom prst="rect">
+            <a:avLst/>
+          </a:prstGeom>
+        </p:spPr>
+        <p:txBody>
+          <a:bodyPr vert="horz" lIns="0" tIns="45720" rIns="0" bIns="45720" rtlCol="0">
+            <a:normAutofit/>
+          </a:bodyPr>
+          <a:lstStyle>
+            <a:lvl1pPr marL="91440" indent="-91440" algn="l" defTabSz="914400" rtl="0" eaLnBrk="1" latinLnBrk="0" hangingPunct="1">
+              <a:lnSpc>
+                <a:spcPct val="90000"/>
+              </a:lnSpc>
+              <a:spcBef>
+                <a:spcPts val="1200"/>
+              </a:spcBef>
+              <a:spcAft>
+                <a:spcPts val="200"/>
+              </a:spcAft>
+              <a:buClr>
+                <a:schemeClr val="accent3"/>
+              </a:buClr>
+              <a:buSzPct val="100000"/>
+              <a:buFont typeface="Calibri" panose="020F0502020204030204" pitchFamily="34" charset="0"/>
+              <a:buChar char=" "/>
+              <a:defRPr sz="2000" kern="1200">
+                <a:solidFill>
+                  <a:schemeClr val="tx1">
+                    <a:lumMod val="75000"/>
+                    <a:lumOff val="25000"/>
+                  </a:schemeClr>
+                </a:solidFill>
+                <a:latin typeface="+mn-lt"/>
+                <a:ea typeface="+mn-ea"/>
+                <a:cs typeface="+mn-cs"/>
+              </a:defRPr>
+            </a:lvl1pPr>
+            <a:lvl2pPr marL="384048" indent="-182880" algn="l" defTabSz="914400" rtl="0" eaLnBrk="1" latinLnBrk="0" hangingPunct="1">
+              <a:lnSpc>
+                <a:spcPct val="90000"/>
+              </a:lnSpc>
+              <a:spcBef>
+                <a:spcPts val="200"/>
+              </a:spcBef>
+              <a:spcAft>
+                <a:spcPts val="400"/>
+              </a:spcAft>
+              <a:buClr>
+                <a:schemeClr val="accent3"/>
+              </a:buClr>
+              <a:buFont typeface="Calibri" pitchFamily="34" charset="0"/>
+              <a:buChar char="◦"/>
+              <a:defRPr sz="1800" kern="1200">
+                <a:solidFill>
+                  <a:schemeClr val="tx1">
+                    <a:lumMod val="75000"/>
+                    <a:lumOff val="25000"/>
+                  </a:schemeClr>
+                </a:solidFill>
+                <a:latin typeface="+mn-lt"/>
+                <a:ea typeface="+mn-ea"/>
+                <a:cs typeface="+mn-cs"/>
+              </a:defRPr>
+            </a:lvl2pPr>
+            <a:lvl3pPr marL="566928" indent="-182880" algn="l" defTabSz="914400" rtl="0" eaLnBrk="1" latinLnBrk="0" hangingPunct="1">
+              <a:lnSpc>
+                <a:spcPct val="90000"/>
+              </a:lnSpc>
+              <a:spcBef>
+                <a:spcPts val="200"/>
+              </a:spcBef>
+              <a:spcAft>
+                <a:spcPts val="400"/>
+              </a:spcAft>
+              <a:buClr>
+                <a:schemeClr val="accent3"/>
+              </a:buClr>
+              <a:buFont typeface="Calibri" pitchFamily="34" charset="0"/>
+              <a:buChar char="◦"/>
+              <a:defRPr sz="1400" kern="1200">
+                <a:solidFill>
+                  <a:schemeClr val="tx1">
+                    <a:lumMod val="75000"/>
+                    <a:lumOff val="25000"/>
+                  </a:schemeClr>
+                </a:solidFill>
+                <a:latin typeface="+mn-lt"/>
+                <a:ea typeface="+mn-ea"/>
+                <a:cs typeface="+mn-cs"/>
+              </a:defRPr>
+            </a:lvl3pPr>
+            <a:lvl4pPr marL="749808" indent="-182880" algn="l" defTabSz="914400" rtl="0" eaLnBrk="1" latinLnBrk="0" hangingPunct="1">
+              <a:lnSpc>
+                <a:spcPct val="90000"/>
+              </a:lnSpc>
+              <a:spcBef>
+                <a:spcPts val="200"/>
+              </a:spcBef>
+              <a:spcAft>
+                <a:spcPts val="400"/>
+              </a:spcAft>
+              <a:buClr>
+                <a:schemeClr val="accent3"/>
+              </a:buClr>
+              <a:buFont typeface="Calibri" pitchFamily="34" charset="0"/>
+              <a:buChar char="◦"/>
+              <a:defRPr sz="1400" kern="1200">
+                <a:solidFill>
+                  <a:schemeClr val="tx1">
+                    <a:lumMod val="75000"/>
+                    <a:lumOff val="25000"/>
+                  </a:schemeClr>
+                </a:solidFill>
+                <a:latin typeface="+mn-lt"/>
+                <a:ea typeface="+mn-ea"/>
+                <a:cs typeface="+mn-cs"/>
+              </a:defRPr>
+            </a:lvl4pPr>
+            <a:lvl5pPr marL="932688" indent="-182880" algn="l" defTabSz="914400" rtl="0" eaLnBrk="1" latinLnBrk="0" hangingPunct="1">
+              <a:lnSpc>
+                <a:spcPct val="90000"/>
+              </a:lnSpc>
+              <a:spcBef>
+                <a:spcPts val="200"/>
+              </a:spcBef>
+              <a:spcAft>
+                <a:spcPts val="400"/>
+              </a:spcAft>
+              <a:buClr>
+                <a:schemeClr val="accent3"/>
+              </a:buClr>
+              <a:buFont typeface="Calibri" pitchFamily="34" charset="0"/>
+              <a:buChar char="◦"/>
+              <a:defRPr sz="1400" kern="1200">
+                <a:solidFill>
+                  <a:schemeClr val="tx1">
+                    <a:lumMod val="75000"/>
+                    <a:lumOff val="25000"/>
+                  </a:schemeClr>
+                </a:solidFill>
+                <a:latin typeface="+mn-lt"/>
+                <a:ea typeface="+mn-ea"/>
+                <a:cs typeface="+mn-cs"/>
+              </a:defRPr>
+            </a:lvl5pPr>
+            <a:lvl6pPr marL="1100000" indent="-228600" algn="l" defTabSz="914400" rtl="0" eaLnBrk="1" latinLnBrk="0" hangingPunct="1">
+              <a:lnSpc>
+                <a:spcPct val="90000"/>
+              </a:lnSpc>
+              <a:spcBef>
+                <a:spcPts val="200"/>
+              </a:spcBef>
+              <a:spcAft>
+                <a:spcPts val="400"/>
+              </a:spcAft>
+              <a:buClr>
+                <a:schemeClr val="accent3"/>
+              </a:buClr>
+              <a:buFont typeface="Calibri" pitchFamily="34" charset="0"/>
+              <a:buChar char="◦"/>
+              <a:defRPr sz="1400" kern="1200">
+                <a:solidFill>
+                  <a:schemeClr val="tx1">
+                    <a:lumMod val="75000"/>
+                    <a:lumOff val="25000"/>
+                  </a:schemeClr>
+                </a:solidFill>
+                <a:latin typeface="+mn-lt"/>
+                <a:ea typeface="+mn-ea"/>
+                <a:cs typeface="+mn-cs"/>
+              </a:defRPr>
+            </a:lvl6pPr>
+            <a:lvl7pPr marL="1300000" indent="-228600" algn="l" defTabSz="914400" rtl="0" eaLnBrk="1" latinLnBrk="0" hangingPunct="1">
+              <a:lnSpc>
+                <a:spcPct val="90000"/>
+              </a:lnSpc>
+              <a:spcBef>
+                <a:spcPts val="200"/>
+              </a:spcBef>
+              <a:spcAft>
+                <a:spcPts val="400"/>
+              </a:spcAft>
+              <a:buClr>
+                <a:schemeClr val="accent3"/>
+              </a:buClr>
+              <a:buFont typeface="Calibri" pitchFamily="34" charset="0"/>
+              <a:buChar char="◦"/>
+              <a:defRPr sz="1400" kern="1200">
+                <a:solidFill>
+                  <a:schemeClr val="tx1">
+                    <a:lumMod val="75000"/>
+                    <a:lumOff val="25000"/>
+                  </a:schemeClr>
+                </a:solidFill>
+                <a:latin typeface="+mn-lt"/>
+                <a:ea typeface="+mn-ea"/>
+                <a:cs typeface="+mn-cs"/>
+              </a:defRPr>
+            </a:lvl7pPr>
+            <a:lvl8pPr marL="1500000" indent="-228600" algn="l" defTabSz="914400" rtl="0" eaLnBrk="1" latinLnBrk="0" hangingPunct="1">
+              <a:lnSpc>
+                <a:spcPct val="90000"/>
+              </a:lnSpc>
+              <a:spcBef>
+                <a:spcPts val="200"/>
+              </a:spcBef>
+              <a:spcAft>
+                <a:spcPts val="400"/>
+              </a:spcAft>
+              <a:buClr>
+                <a:schemeClr val="accent3"/>
+              </a:buClr>
+              <a:buFont typeface="Calibri" pitchFamily="34" charset="0"/>
+              <a:buChar char="◦"/>
+              <a:defRPr sz="1400" kern="1200">
+                <a:solidFill>
+                  <a:schemeClr val="tx1">
+                    <a:lumMod val="75000"/>
+                    <a:lumOff val="25000"/>
+                  </a:schemeClr>
+                </a:solidFill>
+                <a:latin typeface="+mn-lt"/>
+                <a:ea typeface="+mn-ea"/>
+                <a:cs typeface="+mn-cs"/>
+              </a:defRPr>
+            </a:lvl8pPr>
+            <a:lvl9pPr marL="1700000" indent="-228600" algn="l" defTabSz="914400" rtl="0" eaLnBrk="1" latinLnBrk="0" hangingPunct="1">
+              <a:lnSpc>
+                <a:spcPct val="90000"/>
+              </a:lnSpc>
+              <a:spcBef>
+                <a:spcPts val="200"/>
+              </a:spcBef>
+              <a:spcAft>
+                <a:spcPts val="400"/>
+              </a:spcAft>
+              <a:buClr>
+                <a:schemeClr val="accent3"/>
+              </a:buClr>
+              <a:buFont typeface="Calibri" pitchFamily="34" charset="0"/>
+              <a:buChar char="◦"/>
+              <a:defRPr sz="1400" kern="1200">
+                <a:solidFill>
+                  <a:schemeClr val="tx1">
+                    <a:lumMod val="75000"/>
+                    <a:lumOff val="25000"/>
+                  </a:schemeClr>
+                </a:solidFill>
+                <a:latin typeface="+mn-lt"/>
+                <a:ea typeface="+mn-ea"/>
+                <a:cs typeface="+mn-cs"/>
+              </a:defRPr>
+            </a:lvl9pPr>
+          </a:lstStyle>
+          <a:p>
+            <a:r>
+              <a:rPr lang="en-GB" dirty="0" err="1" smtClean="0"/>
+              <a:t>Kelebihan</a:t>
+            </a:r>
+            <a:r>
+              <a:rPr lang="en-GB" dirty="0" smtClean="0"/>
+              <a:t> :</a:t>
+            </a:r>
           </a:p>
           <a:p>
             <a:pPr>
@@ -4403,17 +5525,32 @@
               <a:buChar char="•"/>
             </a:pPr>
             <a:r>
-              <a:rPr lang="en-US" dirty="0"/>
-              <a:t>It can be implemented with very low hardware, it is efficient, and supposed to be secure.</a:t>
-            </a:r>
-            <a:endParaRPr lang="en-GB" dirty="0"/>
+              <a:rPr lang="en-GB" dirty="0" smtClean="0"/>
+              <a:t>Secur</a:t>
+            </a:r>
+            <a:r>
+              <a:rPr lang="en-GB" dirty="0"/>
+              <a:t>e</a:t>
+            </a:r>
+            <a:endParaRPr lang="en-GB" dirty="0" smtClean="0"/>
+          </a:p>
+          <a:p>
+            <a:pPr>
+              <a:buFont typeface="Arial" panose="020B0604020202020204" pitchFamily="34" charset="0"/>
+              <a:buChar char="•"/>
+            </a:pPr>
+            <a:r>
+              <a:rPr lang="en-GB" dirty="0" err="1" smtClean="0"/>
+              <a:t>Unik</a:t>
+            </a:r>
+            <a:endParaRPr lang="id-ID" dirty="0"/>
           </a:p>
         </p:txBody>
       </p:sp>
     </p:spTree>
     <p:extLst>
       <p:ext uri="{BB962C8B-B14F-4D97-AF65-F5344CB8AC3E}">
-        <p14:creationId xmlns:p14="http://schemas.microsoft.com/office/powerpoint/2010/main" val="527900952"/>
+        <p14:creationId xmlns:p14="http://schemas.microsoft.com/office/powerpoint/2010/main" val="2999949932"/>
       </p:ext>
     </p:extLst>
   </p:cSld>
@@ -4449,7 +5586,7 @@
       </p:grpSpPr>
       <p:sp>
         <p:nvSpPr>
-          <p:cNvPr id="2" name="Title 1"/>
+          <p:cNvPr id="7" name="Title 6"/>
           <p:cNvSpPr>
             <a:spLocks noGrp="1"/>
           </p:cNvSpPr>
@@ -4462,11 +5599,27 @@
           <a:bodyPr/>
           <a:lstStyle/>
           <a:p>
+            <a:r>
+              <a:rPr lang="en-GB" dirty="0" err="1" smtClean="0">
+                <a:latin typeface="Bebas Neue" panose="020B0606020202050201" pitchFamily="34" charset="0"/>
+              </a:rPr>
+              <a:t>Apa</a:t>
+            </a:r>
+            <a:r>
+              <a:rPr lang="en-GB" dirty="0" smtClean="0"/>
+              <a:t> </a:t>
+            </a:r>
             <a:r>
               <a:rPr lang="en-GB" dirty="0" smtClean="0">
                 <a:latin typeface="Bebas Neue" panose="020B0606020202050201" pitchFamily="34" charset="0"/>
               </a:rPr>
-              <a:t>One time pad &amp; pseudorandom generator</a:t>
+              <a:t>yang </a:t>
+            </a:r>
+            <a:r>
+              <a:rPr lang="en-GB" dirty="0" err="1" smtClean="0">
+                <a:latin typeface="Bebas Neue" panose="020B0606020202050201" pitchFamily="34" charset="0"/>
+              </a:rPr>
+              <a:t>dienkripsi</a:t>
             </a:r>
             <a:endParaRPr lang="id-ID" dirty="0">
               <a:latin typeface="Bebas Neue" panose="020B0606020202050201" pitchFamily="34" charset="0"/>
@@ -4476,7 +5629,7 @@
       </p:sp>
       <p:sp>
         <p:nvSpPr>
-          <p:cNvPr id="3" name="Content Placeholder 2"/>
+          <p:cNvPr id="8" name="Content Placeholder 7"/>
           <p:cNvSpPr>
             <a:spLocks noGrp="1"/>
           </p:cNvSpPr>
@@ -4489,6 +5642,30 @@
           <a:bodyPr/>
           <a:lstStyle/>
           <a:p>
+            <a:pPr>
+              <a:buFont typeface="Wingdings" panose="05000000000000000000" pitchFamily="2" charset="2"/>
+              <a:buChar char="§"/>
+            </a:pPr>
+            <a:r>
+              <a:rPr lang="en-GB" dirty="0" err="1" smtClean="0"/>
+              <a:t>Seluruh</a:t>
+            </a:r>
+            <a:r>
+              <a:rPr lang="en-GB" dirty="0" smtClean="0"/>
+              <a:t> </a:t>
+            </a:r>
+            <a:r>
+              <a:rPr lang="en-GB" dirty="0" err="1" smtClean="0"/>
+              <a:t>isi</a:t>
+            </a:r>
+            <a:r>
+              <a:rPr lang="en-GB" dirty="0" smtClean="0"/>
+              <a:t> </a:t>
+            </a:r>
+            <a:r>
+              <a:rPr lang="en-GB" dirty="0" err="1" smtClean="0"/>
+              <a:t>pesan</a:t>
+            </a:r>
             <a:endParaRPr lang="id-ID" dirty="0"/>
           </a:p>
         </p:txBody>
@@ -4496,7 +5673,7 @@
     </p:spTree>
     <p:extLst>
       <p:ext uri="{BB962C8B-B14F-4D97-AF65-F5344CB8AC3E}">
-        <p14:creationId xmlns:p14="http://schemas.microsoft.com/office/powerpoint/2010/main" val="2999949932"/>
+        <p14:creationId xmlns:p14="http://schemas.microsoft.com/office/powerpoint/2010/main" val="1003756597"/>
       </p:ext>
     </p:extLst>
   </p:cSld>
@@ -4532,115 +5709,6 @@
       </p:grpSpPr>
       <p:sp>
         <p:nvSpPr>
-          <p:cNvPr id="2" name="TextBox 1"/>
-          <p:cNvSpPr txBox="1"/>
-          <p:nvPr/>
-        </p:nvSpPr>
-        <p:spPr>
-          <a:xfrm>
-            <a:off x="2170471" y="2013256"/>
-            <a:ext cx="7875403" cy="2800767"/>
-          </a:xfrm>
-          <a:prstGeom prst="rect">
-            <a:avLst/>
-          </a:prstGeom>
-          <a:noFill/>
-        </p:spPr>
-        <p:txBody>
-          <a:bodyPr wrap="square" rtlCol="0">
-            <a:spAutoFit/>
-          </a:bodyPr>
-          <a:lstStyle/>
-          <a:p>
-            <a:pPr algn="ctr"/>
-            <a:r>
-              <a:rPr lang="en-GB" sz="8800" dirty="0" err="1" smtClean="0">
-                <a:latin typeface="+mj-lt"/>
-                <a:cs typeface="Lao UI" panose="020B0502040204020203" pitchFamily="34" charset="0"/>
-              </a:rPr>
-              <a:t>Apa</a:t>
-            </a:r>
-            <a:r>
-              <a:rPr lang="en-GB" sz="8800" dirty="0">
-                <a:latin typeface="+mj-lt"/>
-                <a:cs typeface="Lao UI" panose="020B0502040204020203" pitchFamily="34" charset="0"/>
-              </a:rPr>
-              <a:t> </a:t>
-            </a:r>
-            <a:r>
-              <a:rPr lang="en-GB" sz="8800" dirty="0" err="1" smtClean="0">
-                <a:latin typeface="+mj-lt"/>
-                <a:cs typeface="Lao UI" panose="020B0502040204020203" pitchFamily="34" charset="0"/>
-              </a:rPr>
-              <a:t>saja</a:t>
-            </a:r>
-            <a:r>
-              <a:rPr lang="en-GB" sz="8800" dirty="0" smtClean="0">
-                <a:latin typeface="+mj-lt"/>
-                <a:cs typeface="Lao UI" panose="020B0502040204020203" pitchFamily="34" charset="0"/>
-              </a:rPr>
-              <a:t> yang </a:t>
-            </a:r>
-            <a:r>
-              <a:rPr lang="en-GB" sz="8800" dirty="0" err="1" smtClean="0">
-                <a:latin typeface="+mj-lt"/>
-                <a:cs typeface="Lao UI" panose="020B0502040204020203" pitchFamily="34" charset="0"/>
-              </a:rPr>
-              <a:t>dienkripsi</a:t>
-            </a:r>
-            <a:r>
-              <a:rPr lang="en-GB" sz="8800" dirty="0" smtClean="0">
-                <a:latin typeface="+mj-lt"/>
-                <a:cs typeface="Lao UI" panose="020B0502040204020203" pitchFamily="34" charset="0"/>
-              </a:rPr>
-              <a:t>?</a:t>
-            </a:r>
-            <a:endParaRPr lang="id-ID" sz="8800" dirty="0">
-              <a:latin typeface="+mj-lt"/>
-              <a:cs typeface="Lao UI" panose="020B0502040204020203" pitchFamily="34" charset="0"/>
-            </a:endParaRPr>
-          </a:p>
-        </p:txBody>
-      </p:sp>
-    </p:spTree>
-    <p:extLst>
-      <p:ext uri="{BB962C8B-B14F-4D97-AF65-F5344CB8AC3E}">
-        <p14:creationId xmlns:p14="http://schemas.microsoft.com/office/powerpoint/2010/main" val="1003756597"/>
-      </p:ext>
-    </p:extLst>
-  </p:cSld>
-  <p:clrMapOvr>
-    <a:masterClrMapping/>
-  </p:clrMapOvr>
-  <p:timing>
-    <p:tnLst>
-      <p:par>
-        <p:cTn id="1" dur="indefinite" restart="never" nodeType="tmRoot"/>
-      </p:par>
-    </p:tnLst>
-  </p:timing>
-</p:sld>
-</file>
-
-<file path=ppt/slides/slide8.xml><?xml version="1.0" encoding="utf-8"?>
-<p:sld xmlns:a="http://schemas.openxmlformats.org/drawingml/2006/main" xmlns:r="http://schemas.openxmlformats.org/officeDocument/2006/relationships" xmlns:p="http://schemas.openxmlformats.org/presentationml/2006/main">
-  <p:cSld>
-    <p:spTree>
-      <p:nvGrpSpPr>
-        <p:cNvPr id="1" name=""/>
-        <p:cNvGrpSpPr/>
-        <p:nvPr/>
-      </p:nvGrpSpPr>
-      <p:grpSpPr>
-        <a:xfrm>
-          <a:off x="0" y="0"/>
-          <a:ext cx="0" cy="0"/>
-          <a:chOff x="0" y="0"/>
-          <a:chExt cx="0" cy="0"/>
-        </a:xfrm>
-      </p:grpSpPr>
-      <p:sp>
-        <p:nvSpPr>
           <p:cNvPr id="5" name="Title 4"/>
           <p:cNvSpPr>
             <a:spLocks noGrp="1"/>
@@ -4690,96 +5758,96 @@
           <a:lstStyle/>
           <a:p>
             <a:r>
-              <a:rPr lang="en-GB" sz="3600" dirty="0" err="1">
+              <a:rPr lang="en-GB" dirty="0" err="1">
                 <a:latin typeface="+mj-lt"/>
               </a:rPr>
               <a:t>Mengirimkan</a:t>
             </a:r>
             <a:r>
-              <a:rPr lang="en-GB" sz="3600" dirty="0">
+              <a:rPr lang="en-GB" dirty="0">
                 <a:latin typeface="+mj-lt"/>
               </a:rPr>
               <a:t> seed yang </a:t>
             </a:r>
             <a:r>
-              <a:rPr lang="en-GB" sz="3600" dirty="0" err="1">
+              <a:rPr lang="en-GB" dirty="0" err="1">
                 <a:latin typeface="+mj-lt"/>
               </a:rPr>
               <a:t>akan</a:t>
             </a:r>
             <a:r>
-              <a:rPr lang="en-GB" sz="3600" dirty="0">
+              <a:rPr lang="en-GB" dirty="0">
                 <a:latin typeface="+mj-lt"/>
               </a:rPr>
               <a:t> </a:t>
             </a:r>
             <a:r>
-              <a:rPr lang="en-GB" sz="3600" dirty="0" err="1">
+              <a:rPr lang="en-GB" dirty="0" err="1">
                 <a:latin typeface="+mj-lt"/>
               </a:rPr>
               <a:t>digenerator</a:t>
             </a:r>
             <a:r>
-              <a:rPr lang="en-GB" sz="3600" dirty="0">
+              <a:rPr lang="en-GB" dirty="0">
                 <a:latin typeface="+mj-lt"/>
               </a:rPr>
               <a:t> </a:t>
             </a:r>
             <a:r>
-              <a:rPr lang="en-GB" sz="3600" dirty="0" err="1">
+              <a:rPr lang="en-GB" dirty="0" err="1">
                 <a:latin typeface="+mj-lt"/>
               </a:rPr>
               <a:t>dengan</a:t>
             </a:r>
             <a:r>
-              <a:rPr lang="en-GB" sz="3600" dirty="0">
+              <a:rPr lang="en-GB" dirty="0">
                 <a:latin typeface="+mj-lt"/>
               </a:rPr>
               <a:t> </a:t>
             </a:r>
             <a:r>
-              <a:rPr lang="en-GB" sz="3600" dirty="0" err="1">
+              <a:rPr lang="en-GB" dirty="0" err="1">
                 <a:latin typeface="+mj-lt"/>
               </a:rPr>
               <a:t>algoritma</a:t>
             </a:r>
             <a:r>
-              <a:rPr lang="en-GB" sz="3600" dirty="0">
+              <a:rPr lang="en-GB" dirty="0">
                 <a:latin typeface="+mj-lt"/>
               </a:rPr>
               <a:t> pseudorandom yang </a:t>
             </a:r>
             <a:r>
-              <a:rPr lang="en-GB" sz="3600" dirty="0" err="1">
+              <a:rPr lang="en-GB" dirty="0" err="1">
                 <a:latin typeface="+mj-lt"/>
               </a:rPr>
               <a:t>telah</a:t>
             </a:r>
             <a:r>
-              <a:rPr lang="en-GB" sz="3600" dirty="0">
+              <a:rPr lang="en-GB" dirty="0">
                 <a:latin typeface="+mj-lt"/>
               </a:rPr>
               <a:t> </a:t>
             </a:r>
             <a:r>
-              <a:rPr lang="en-GB" sz="3600" dirty="0" err="1">
+              <a:rPr lang="en-GB" dirty="0" err="1">
                 <a:latin typeface="+mj-lt"/>
               </a:rPr>
               <a:t>ditentukan</a:t>
             </a:r>
             <a:r>
-              <a:rPr lang="en-GB" sz="3600" dirty="0">
+              <a:rPr lang="en-GB" dirty="0">
                 <a:latin typeface="+mj-lt"/>
               </a:rPr>
               <a:t> </a:t>
             </a:r>
             <a:r>
-              <a:rPr lang="en-GB" sz="3600" dirty="0" err="1">
+              <a:rPr lang="en-GB" dirty="0" err="1">
                 <a:latin typeface="+mj-lt"/>
               </a:rPr>
               <a:t>sebelumnya</a:t>
             </a:r>
-            <a:endParaRPr lang="id-ID" sz="3600" dirty="0">
+            <a:endParaRPr lang="id-ID" dirty="0">
               <a:latin typeface="+mj-lt"/>
             </a:endParaRPr>
           </a:p>
@@ -5086,4 +6154,265 @@
     </a:ext>
   </a:extLst>
 </a:theme>
+</file>
+
+<file path=ppt/theme/theme2.xml><?xml version="1.0" encoding="utf-8"?>
+<a:theme xmlns:a="http://schemas.openxmlformats.org/drawingml/2006/main" name="Office Theme">
+  <a:themeElements>
+    <a:clrScheme name="Office">
+      <a:dk1>
+        <a:sysClr val="windowText" lastClr="000000"/>
+      </a:dk1>
+      <a:lt1>
+        <a:sysClr val="window" lastClr="FFFFFF"/>
+      </a:lt1>
+      <a:dk2>
+        <a:srgbClr val="44546A"/>
+      </a:dk2>
+      <a:lt2>
+        <a:srgbClr val="E7E6E6"/>
+      </a:lt2>
+      <a:accent1>
+        <a:srgbClr val="5B9BD5"/>
+      </a:accent1>
+      <a:accent2>
+        <a:srgbClr val="ED7D31"/>
+      </a:accent2>
+      <a:accent3>
+        <a:srgbClr val="A5A5A5"/>
+      </a:accent3>
+      <a:accent4>
+        <a:srgbClr val="FFC000"/>
+      </a:accent4>
+      <a:accent5>
+        <a:srgbClr val="4472C4"/>
+      </a:accent5>
+      <a:accent6>
+        <a:srgbClr val="70AD47"/>
+      </a:accent6>
+      <a:hlink>
+        <a:srgbClr val="0563C1"/>
+      </a:hlink>
+      <a:folHlink>
+        <a:srgbClr val="954F72"/>
+      </a:folHlink>
+    </a:clrScheme>
+    <a:fontScheme name="Office">
+      <a:majorFont>
+        <a:latin typeface="Calibri Light" panose="020F0302020204030204"/>
+        <a:ea typeface=""/>
+        <a:cs typeface=""/>
+        <a:font script="Jpan" typeface="ＭＳ Ｐゴシック"/>
+        <a:font script="Hang" typeface="맑은 고딕"/>
+        <a:font script="Hans" typeface="宋体"/>
+        <a:font script="Hant" typeface="新細明體"/>
+        <a:font script="Arab" typeface="Times New Roman"/>
+        <a:font script="Hebr" typeface="Times New Roman"/>
+        <a:font script="Thai" typeface="Angsana New"/>
+        <a:font script="Ethi" typeface="Nyala"/>
+        <a:font script="Beng" typeface="Vrinda"/>
+        <a:font script="Gujr" typeface="Shruti"/>
+        <a:font script="Khmr" typeface="MoolBoran"/>
+        <a:font script="Knda" typeface="Tunga"/>
+        <a:font script="Guru" typeface="Raavi"/>
+        <a:font script="Cans" typeface="Euphemia"/>
+        <a:font script="Cher" typeface="Plantagenet Cherokee"/>
+        <a:font script="Yiii" typeface="Microsoft Yi Baiti"/>
+        <a:font script="Tibt" typeface="Microsoft Himalaya"/>
+        <a:font script="Thaa" typeface="MV Boli"/>
+        <a:font script="Deva" typeface="Mangal"/>
+        <a:font script="Telu" typeface="Gautami"/>
+        <a:font script="Taml" typeface="Latha"/>
+        <a:font script="Syrc" typeface="Estrangelo Edessa"/>
+        <a:font script="Orya" typeface="Kalinga"/>
+        <a:font script="Mlym" typeface="Kartika"/>
+        <a:font script="Laoo" typeface="DokChampa"/>
+        <a:font script="Sinh" typeface="Iskoola Pota"/>
+        <a:font script="Mong" typeface="Mongolian Baiti"/>
+        <a:font script="Viet" typeface="Times New Roman"/>
+        <a:font script="Uigh" typeface="Microsoft Uighur"/>
+        <a:font script="Geor" typeface="Sylfaen"/>
+      </a:majorFont>
+      <a:minorFont>
+        <a:latin typeface="Calibri" panose="020F0502020204030204"/>
+        <a:ea typeface=""/>
+        <a:cs typeface=""/>
+        <a:font script="Jpan" typeface="ＭＳ Ｐゴシック"/>
+        <a:font script="Hang" typeface="맑은 고딕"/>
+        <a:font script="Hans" typeface="宋体"/>
+        <a:font script="Hant" typeface="新細明體"/>
+        <a:font script="Arab" typeface="Arial"/>
+        <a:font script="Hebr" typeface="Arial"/>
+        <a:font script="Thai" typeface="Cordia New"/>
+        <a:font script="Ethi" typeface="Nyala"/>
+        <a:font script="Beng" typeface="Vrinda"/>
+        <a:font script="Gujr" typeface="Shruti"/>
+        <a:font script="Khmr" typeface="DaunPenh"/>
+        <a:font script="Knda" typeface="Tunga"/>
+        <a:font script="Guru" typeface="Raavi"/>
+        <a:font script="Cans" typeface="Euphemia"/>
+        <a:font script="Cher" typeface="Plantagenet Cherokee"/>
+        <a:font script="Yiii" typeface="Microsoft Yi Baiti"/>
+        <a:font script="Tibt" typeface="Microsoft Himalaya"/>
+        <a:font script="Thaa" typeface="MV Boli"/>
+        <a:font script="Deva" typeface="Mangal"/>
+        <a:font script="Telu" typeface="Gautami"/>
+        <a:font script="Taml" typeface="Latha"/>
+        <a:font script="Syrc" typeface="Estrangelo Edessa"/>
+        <a:font script="Orya" typeface="Kalinga"/>
+        <a:font script="Mlym" typeface="Kartika"/>
+        <a:font script="Laoo" typeface="DokChampa"/>
+        <a:font script="Sinh" typeface="Iskoola Pota"/>
+        <a:font script="Mong" typeface="Mongolian Baiti"/>
+        <a:font script="Viet" typeface="Arial"/>
+        <a:font script="Uigh" typeface="Microsoft Uighur"/>
+        <a:font script="Geor" typeface="Sylfaen"/>
+      </a:minorFont>
+    </a:fontScheme>
+    <a:fmtScheme name="Office">
+      <a:fillStyleLst>
+        <a:solidFill>
+          <a:schemeClr val="phClr"/>
+        </a:solidFill>
+        <a:gradFill rotWithShape="1">
+          <a:gsLst>
+            <a:gs pos="0">
+              <a:schemeClr val="phClr">
+                <a:lumMod val="110000"/>
+                <a:satMod val="105000"/>
+                <a:tint val="67000"/>
+              </a:schemeClr>
+            </a:gs>
+            <a:gs pos="50000">
+              <a:schemeClr val="phClr">
+                <a:lumMod val="105000"/>
+                <a:satMod val="103000"/>
+                <a:tint val="73000"/>
+              </a:schemeClr>
+            </a:gs>
+            <a:gs pos="100000">
+              <a:schemeClr val="phClr">
+                <a:lumMod val="105000"/>
+                <a:satMod val="109000"/>
+                <a:tint val="81000"/>
+              </a:schemeClr>
+            </a:gs>
+          </a:gsLst>
+          <a:lin ang="5400000" scaled="0"/>
+        </a:gradFill>
+        <a:gradFill rotWithShape="1">
+          <a:gsLst>
+            <a:gs pos="0">
+              <a:schemeClr val="phClr">
+                <a:satMod val="103000"/>
+                <a:lumMod val="102000"/>
+                <a:tint val="94000"/>
+              </a:schemeClr>
+            </a:gs>
+            <a:gs pos="50000">
+              <a:schemeClr val="phClr">
+                <a:satMod val="110000"/>
+                <a:lumMod val="100000"/>
+                <a:shade val="100000"/>
+              </a:schemeClr>
+            </a:gs>
+            <a:gs pos="100000">
+              <a:schemeClr val="phClr">
+                <a:lumMod val="99000"/>
+                <a:satMod val="120000"/>
+                <a:shade val="78000"/>
+              </a:schemeClr>
+            </a:gs>
+          </a:gsLst>
+          <a:lin ang="5400000" scaled="0"/>
+        </a:gradFill>
+      </a:fillStyleLst>
+      <a:lnStyleLst>
+        <a:ln w="6350" cap="flat" cmpd="sng" algn="ctr">
+          <a:solidFill>
+            <a:schemeClr val="phClr"/>
+          </a:solidFill>
+          <a:prstDash val="solid"/>
+          <a:miter lim="800000"/>
+        </a:ln>
+        <a:ln w="12700" cap="flat" cmpd="sng" algn="ctr">
+          <a:solidFill>
+            <a:schemeClr val="phClr"/>
+          </a:solidFill>
+          <a:prstDash val="solid"/>
+          <a:miter lim="800000"/>
+        </a:ln>
+        <a:ln w="19050" cap="flat" cmpd="sng" algn="ctr">
+          <a:solidFill>
+            <a:schemeClr val="phClr"/>
+          </a:solidFill>
+          <a:prstDash val="solid"/>
+          <a:miter lim="800000"/>
+        </a:ln>
+      </a:lnStyleLst>
+      <a:effectStyleLst>
+        <a:effectStyle>
+          <a:effectLst/>
+        </a:effectStyle>
+        <a:effectStyle>
+          <a:effectLst/>
+        </a:effectStyle>
+        <a:effectStyle>
+          <a:effectLst>
+            <a:outerShdw blurRad="57150" dist="19050" dir="5400000" algn="ctr" rotWithShape="0">
+              <a:srgbClr val="000000">
+                <a:alpha val="63000"/>
+              </a:srgbClr>
+            </a:outerShdw>
+          </a:effectLst>
+        </a:effectStyle>
+      </a:effectStyleLst>
+      <a:bgFillStyleLst>
+        <a:solidFill>
+          <a:schemeClr val="phClr"/>
+        </a:solidFill>
+        <a:solidFill>
+          <a:schemeClr val="phClr">
+            <a:tint val="95000"/>
+            <a:satMod val="170000"/>
+          </a:schemeClr>
+        </a:solidFill>
+        <a:gradFill rotWithShape="1">
+          <a:gsLst>
+            <a:gs pos="0">
+              <a:schemeClr val="phClr">
+                <a:tint val="93000"/>
+                <a:satMod val="150000"/>
+                <a:shade val="98000"/>
+                <a:lumMod val="102000"/>
+              </a:schemeClr>
+            </a:gs>
+            <a:gs pos="50000">
+              <a:schemeClr val="phClr">
+                <a:tint val="98000"/>
+                <a:satMod val="130000"/>
+                <a:shade val="90000"/>
+                <a:lumMod val="103000"/>
+              </a:schemeClr>
+            </a:gs>
+            <a:gs pos="100000">
+              <a:schemeClr val="phClr">
+                <a:shade val="63000"/>
+                <a:satMod val="120000"/>
+              </a:schemeClr>
+            </a:gs>
+          </a:gsLst>
+          <a:lin ang="5400000" scaled="0"/>
+        </a:gradFill>
+      </a:bgFillStyleLst>
+    </a:fmtScheme>
+  </a:themeElements>
+  <a:objectDefaults/>
+  <a:extraClrSchemeLst/>
+  <a:extLst>
+    <a:ext uri="{05A4C25C-085E-4340-85A3-A5531E510DB2}">
+      <thm15:themeFamily xmlns:thm15="http://schemas.microsoft.com/office/thememl/2012/main" name="Office Theme" id="{62F939B6-93AF-4DB8-9C6B-D6C7DFDC589F}" vid="{4A3C46E8-61CC-4603-A589-7422A47A8E4A}"/>
+    </a:ext>
+  </a:extLst>
+</a:theme>
 </file>
--- a/docs/algoritma.pptx
+++ b/docs/algoritma.pptx
@@ -4869,7 +4869,13 @@
               <a:rPr lang="en-GB" dirty="0" smtClean="0">
                 <a:latin typeface="Bebas Neue" panose="020B0606020202050201" pitchFamily="34" charset="0"/>
               </a:rPr>
-              <a:t>Stream cipher</a:t>
+              <a:t>Stream </a:t>
+            </a:r>
+            <a:r>
+              <a:rPr lang="en-GB" dirty="0" smtClean="0">
+                <a:latin typeface="Bebas Neue" panose="020B0606020202050201" pitchFamily="34" charset="0"/>
+              </a:rPr>
+              <a:t>cipher</a:t>
             </a:r>
             <a:endParaRPr lang="id-ID" dirty="0">
               <a:latin typeface="Bebas Neue" panose="020B0606020202050201" pitchFamily="34" charset="0"/>
@@ -5038,6 +5044,64 @@
             <a:r>
               <a:rPr lang="en-US" dirty="0" smtClean="0"/>
               <a:t>bit error caused by noise on the channel</a:t>
+            </a:r>
+          </a:p>
+          <a:p>
+            <a:pPr>
+              <a:buFont typeface="Arial" panose="020B0604020202020204" pitchFamily="34" charset="0"/>
+              <a:buChar char="•"/>
+            </a:pPr>
+            <a:r>
+              <a:rPr lang="en-US" dirty="0"/>
+              <a:t> </a:t>
+            </a:r>
+            <a:r>
+              <a:rPr lang="en-US" dirty="0" smtClean="0"/>
+              <a:t>key </a:t>
+            </a:r>
+            <a:r>
+              <a:rPr lang="en-US" dirty="0" err="1" smtClean="0"/>
+              <a:t>dapat</a:t>
+            </a:r>
+            <a:r>
+              <a:rPr lang="en-US" dirty="0" smtClean="0"/>
+              <a:t> </a:t>
+            </a:r>
+            <a:r>
+              <a:rPr lang="en-US" dirty="0" err="1" smtClean="0"/>
+              <a:t>diprediksi</a:t>
+            </a:r>
+            <a:r>
+              <a:rPr lang="en-US" dirty="0" smtClean="0"/>
+              <a:t> </a:t>
+            </a:r>
+            <a:r>
+              <a:rPr lang="en-US" dirty="0" err="1" smtClean="0"/>
+              <a:t>jika</a:t>
+            </a:r>
+            <a:r>
+              <a:rPr lang="en-US" dirty="0" smtClean="0"/>
+              <a:t> key </a:t>
+            </a:r>
+            <a:r>
+              <a:rPr lang="en-US" dirty="0" err="1" smtClean="0"/>
+              <a:t>terlalu</a:t>
+            </a:r>
+            <a:r>
+              <a:rPr lang="en-US" dirty="0" smtClean="0"/>
+              <a:t> </a:t>
+            </a:r>
+            <a:r>
+              <a:rPr lang="en-US" dirty="0" err="1" smtClean="0"/>
+              <a:t>cepat</a:t>
+            </a:r>
+            <a:r>
+              <a:rPr lang="en-US" dirty="0" smtClean="0"/>
+              <a:t> </a:t>
+            </a:r>
+            <a:r>
+              <a:rPr lang="en-US" dirty="0" err="1" smtClean="0"/>
+              <a:t>berulang</a:t>
             </a:r>
             <a:endParaRPr lang="en-GB" dirty="0" smtClean="0"/>
           </a:p>
@@ -5103,10 +5167,16 @@
           <a:lstStyle/>
           <a:p>
             <a:r>
+              <a:rPr lang="en-GB" dirty="0">
+                <a:latin typeface="Bebas Neue" panose="020B0606020202050201" pitchFamily="34" charset="0"/>
+              </a:rPr>
+              <a:t>	</a:t>
+            </a:r>
+            <a:r>
               <a:rPr lang="en-GB" dirty="0" smtClean="0">
                 <a:latin typeface="Bebas Neue" panose="020B0606020202050201" pitchFamily="34" charset="0"/>
               </a:rPr>
-              <a:t>One time pad &amp; pseudorandom generator</a:t>
+              <a:t>RC4</a:t>
             </a:r>
             <a:endParaRPr lang="id-ID" dirty="0">
               <a:latin typeface="Bebas Neue" panose="020B0606020202050201" pitchFamily="34" charset="0"/>
@@ -5116,129 +5186,60 @@
       </p:sp>
       <p:sp>
         <p:nvSpPr>
-          <p:cNvPr id="3" name="Content Placeholder 2"/>
-          <p:cNvSpPr>
-            <a:spLocks noGrp="1"/>
-          </p:cNvSpPr>
-          <p:nvPr>
-            <p:ph sz="half" idx="1"/>
+          <p:cNvPr id="4" name="Content Placeholder 3"/>
+          <p:cNvSpPr>
+            <a:spLocks noGrp="1"/>
+          </p:cNvSpPr>
+          <p:nvPr>
+            <p:ph sz="half" idx="2"/>
           </p:nvPr>
         </p:nvSpPr>
         <p:spPr>
           <a:xfrm>
-            <a:off x="1097278" y="1845734"/>
-            <a:ext cx="4937760" cy="421477"/>
+            <a:off x="6217920" y="1845734"/>
+            <a:ext cx="4937760" cy="4023361"/>
           </a:xfrm>
         </p:spPr>
         <p:txBody>
           <a:bodyPr/>
           <a:lstStyle/>
+          <a:p>
+            <a:r>
+              <a:rPr lang="en-GB" dirty="0" err="1" smtClean="0"/>
+              <a:t>Kekurangan</a:t>
+            </a:r>
+            <a:r>
+              <a:rPr lang="en-GB" dirty="0" smtClean="0"/>
+              <a:t> :</a:t>
+            </a:r>
+          </a:p>
           <a:p>
             <a:pPr>
               <a:buFont typeface="Arial" panose="020B0604020202020204" pitchFamily="34" charset="0"/>
               <a:buChar char="•"/>
             </a:pPr>
             <a:r>
+              <a:rPr lang="en-GB" dirty="0" err="1" smtClean="0"/>
+              <a:t>Panjang</a:t>
+            </a:r>
+            <a:r>
               <a:rPr lang="en-GB" dirty="0" smtClean="0"/>
-              <a:t>Linear </a:t>
+              <a:t> key </a:t>
             </a:r>
             <a:r>
               <a:rPr lang="en-GB" dirty="0" err="1" smtClean="0"/>
-              <a:t>Congruential</a:t>
+              <a:t>hanya</a:t>
             </a:r>
             <a:r>
               <a:rPr lang="en-GB" dirty="0" smtClean="0"/>
-              <a:t> Generator</a:t>
-            </a:r>
-            <a:endParaRPr lang="id-ID" dirty="0"/>
-          </a:p>
-        </p:txBody>
-      </p:sp>
-      <p:sp>
-        <p:nvSpPr>
-          <p:cNvPr id="4" name="Content Placeholder 3"/>
-          <p:cNvSpPr>
-            <a:spLocks noGrp="1"/>
-          </p:cNvSpPr>
-          <p:nvPr>
-            <p:ph sz="half" idx="2"/>
-          </p:nvPr>
-        </p:nvSpPr>
-        <p:spPr>
-          <a:xfrm>
-            <a:off x="6217920" y="2375585"/>
-            <a:ext cx="4937760" cy="3493510"/>
-          </a:xfrm>
-        </p:spPr>
-        <p:txBody>
-          <a:bodyPr/>
-          <a:lstStyle/>
-          <a:p>
-            <a:r>
-              <a:rPr lang="en-GB" dirty="0" err="1" smtClean="0"/>
-              <a:t>Kekurangan</a:t>
-            </a:r>
-            <a:r>
-              <a:rPr lang="en-GB" dirty="0" smtClean="0"/>
-              <a:t> :</a:t>
-            </a:r>
-          </a:p>
-          <a:p>
-            <a:pPr>
-              <a:buFont typeface="Arial" panose="020B0604020202020204" pitchFamily="34" charset="0"/>
-              <a:buChar char="•"/>
+              <a:t> 256 bytes</a:t>
+            </a:r>
+          </a:p>
+          <a:p>
+            <a:pPr marL="0" indent="0">
+              <a:buNone/>
             </a:pPr>
-            <a:r>
-              <a:rPr lang="en-GB" dirty="0" err="1" smtClean="0"/>
-              <a:t>Mengirim</a:t>
-            </a:r>
-            <a:r>
-              <a:rPr lang="en-GB" dirty="0" smtClean="0"/>
-              <a:t> key + cipher text</a:t>
-            </a:r>
-          </a:p>
-          <a:p>
-            <a:pPr>
-              <a:buFont typeface="Arial" panose="020B0604020202020204" pitchFamily="34" charset="0"/>
-              <a:buChar char="•"/>
-            </a:pPr>
-            <a:r>
-              <a:rPr lang="en-GB" dirty="0" smtClean="0"/>
-              <a:t>Key </a:t>
-            </a:r>
-            <a:r>
-              <a:rPr lang="en-GB" dirty="0" err="1" smtClean="0"/>
-              <a:t>tidak</a:t>
-            </a:r>
-            <a:r>
-              <a:rPr lang="en-GB" dirty="0" smtClean="0"/>
-              <a:t> </a:t>
-            </a:r>
-            <a:r>
-              <a:rPr lang="en-GB" dirty="0" err="1" smtClean="0"/>
-              <a:t>bisa</a:t>
-            </a:r>
-            <a:r>
-              <a:rPr lang="en-GB" dirty="0" smtClean="0"/>
-              <a:t> </a:t>
-            </a:r>
-            <a:r>
-              <a:rPr lang="en-GB" dirty="0" err="1" smtClean="0"/>
-              <a:t>digunakan</a:t>
-            </a:r>
-            <a:r>
-              <a:rPr lang="en-GB" dirty="0" smtClean="0"/>
-              <a:t> </a:t>
-            </a:r>
-            <a:r>
-              <a:rPr lang="en-GB" dirty="0" err="1" smtClean="0"/>
-              <a:t>dua</a:t>
-            </a:r>
-            <a:r>
-              <a:rPr lang="en-GB" dirty="0" smtClean="0"/>
-              <a:t> kali</a:t>
-            </a:r>
-            <a:endParaRPr lang="id-ID" dirty="0"/>
+            <a:endParaRPr lang="en-GB" dirty="0" smtClean="0"/>
           </a:p>
         </p:txBody>
       </p:sp>
@@ -5252,8 +5253,8 @@
         </p:nvSpPr>
         <p:spPr>
           <a:xfrm>
-            <a:off x="1097278" y="2375585"/>
-            <a:ext cx="4937760" cy="3687012"/>
+            <a:off x="1097278" y="1951630"/>
+            <a:ext cx="4937760" cy="4110967"/>
           </a:xfrm>
           <a:prstGeom prst="rect">
             <a:avLst/>
@@ -5525,12 +5526,8 @@
               <a:buChar char="•"/>
             </a:pPr>
             <a:r>
-              <a:rPr lang="en-GB" dirty="0" smtClean="0"/>
-              <a:t>Secur</a:t>
-            </a:r>
-            <a:r>
-              <a:rPr lang="en-GB" dirty="0"/>
-              <a:t>e</a:t>
+              <a:rPr lang="en-GB" dirty="0" err="1" smtClean="0"/>
+              <a:t>Aman</a:t>
             </a:r>
             <a:endParaRPr lang="en-GB" dirty="0" smtClean="0"/>
           </a:p>
@@ -5540,13 +5537,89 @@
               <a:buChar char="•"/>
             </a:pPr>
             <a:r>
+              <a:rPr lang="en-GB" dirty="0" smtClean="0"/>
+              <a:t>Simple</a:t>
+            </a:r>
+          </a:p>
+          <a:p>
+            <a:pPr>
+              <a:buFont typeface="Arial" panose="020B0604020202020204" pitchFamily="34" charset="0"/>
+              <a:buChar char="•"/>
+            </a:pPr>
+            <a:r>
               <a:rPr lang="en-GB" dirty="0" err="1" smtClean="0"/>
-              <a:t>Unik</a:t>
-            </a:r>
-            <a:endParaRPr lang="id-ID" dirty="0"/>
-          </a:p>
-        </p:txBody>
-      </p:sp>
+              <a:t>Mudah</a:t>
+            </a:r>
+            <a:r>
+              <a:rPr lang="en-GB" dirty="0" smtClean="0"/>
+              <a:t> </a:t>
+            </a:r>
+            <a:r>
+              <a:rPr lang="en-GB" dirty="0" err="1" smtClean="0"/>
+              <a:t>diterapkan</a:t>
+            </a:r>
+            <a:endParaRPr lang="en-GB" dirty="0" smtClean="0"/>
+          </a:p>
+          <a:p>
+            <a:pPr>
+              <a:buFont typeface="Arial" panose="020B0604020202020204" pitchFamily="34" charset="0"/>
+              <a:buChar char="•"/>
+            </a:pPr>
+            <a:r>
+              <a:rPr lang="en-GB" dirty="0" smtClean="0"/>
+              <a:t>Impressive speed</a:t>
+            </a:r>
+          </a:p>
+          <a:p>
+            <a:pPr>
+              <a:buFont typeface="Arial" panose="020B0604020202020204" pitchFamily="34" charset="0"/>
+              <a:buChar char="•"/>
+            </a:pPr>
+            <a:endParaRPr lang="en-GB" dirty="0" smtClean="0"/>
+          </a:p>
+        </p:txBody>
+      </p:sp>
+      <p:pic>
+        <p:nvPicPr>
+          <p:cNvPr id="7" name="Picture 6" descr="https://cdn3.iconfinder.com/data/icons/flat-icons-web/40/Key-512.png"/>
+          <p:cNvPicPr>
+            <a:picLocks noChangeAspect="1" noChangeArrowheads="1"/>
+          </p:cNvPicPr>
+          <p:nvPr/>
+        </p:nvPicPr>
+        <p:blipFill>
+          <a:blip r:embed="rId2">
+            <a:extLst>
+              <a:ext uri="{28A0092B-C50C-407E-A947-70E740481C1C}">
+                <a14:useLocalDpi xmlns:a14="http://schemas.microsoft.com/office/drawing/2010/main" val="0"/>
+              </a:ext>
+            </a:extLst>
+          </a:blip>
+          <a:srcRect/>
+          <a:stretch>
+            <a:fillRect/>
+          </a:stretch>
+        </p:blipFill>
+        <p:spPr bwMode="auto">
+          <a:xfrm>
+            <a:off x="1097278" y="685669"/>
+            <a:ext cx="1160064" cy="1160065"/>
+          </a:xfrm>
+          <a:prstGeom prst="rect">
+            <a:avLst/>
+          </a:prstGeom>
+          <a:noFill/>
+          <a:extLst>
+            <a:ext uri="{909E8E84-426E-40DD-AFC4-6F175D3DCCD1}">
+              <a14:hiddenFill xmlns:a14="http://schemas.microsoft.com/office/drawing/2010/main">
+                <a:solidFill>
+                  <a:srgbClr val="FFFFFF"/>
+                </a:solidFill>
+              </a14:hiddenFill>
+            </a:ext>
+          </a:extLst>
+        </p:spPr>
+      </p:pic>
     </p:spTree>
     <p:extLst>
       <p:ext uri="{BB962C8B-B14F-4D97-AF65-F5344CB8AC3E}">
@@ -5647,10 +5720,6 @@
               <a:buChar char="§"/>
             </a:pPr>
             <a:r>
-              <a:rPr lang="en-GB" dirty="0" err="1" smtClean="0"/>
-              <a:t>Seluruh</a:t>
-            </a:r>
-            <a:r>
               <a:rPr lang="en-GB" dirty="0" smtClean="0"/>
               <a:t> </a:t>
             </a:r>
@@ -5666,7 +5735,25 @@
               <a:rPr lang="en-GB" dirty="0" err="1" smtClean="0"/>
               <a:t>pesan</a:t>
             </a:r>
-            <a:endParaRPr lang="id-ID" dirty="0"/>
+            <a:endParaRPr lang="en-GB" dirty="0" smtClean="0"/>
+          </a:p>
+          <a:p>
+            <a:pPr>
+              <a:buFont typeface="Wingdings" panose="05000000000000000000" pitchFamily="2" charset="2"/>
+              <a:buChar char="§"/>
+            </a:pPr>
+            <a:r>
+              <a:rPr lang="en-GB" dirty="0" smtClean="0"/>
+              <a:t> username </a:t>
+            </a:r>
+            <a:r>
+              <a:rPr lang="en-GB" dirty="0" err="1" smtClean="0"/>
+              <a:t>dan</a:t>
+            </a:r>
+            <a:r>
+              <a:rPr lang="en-GB" dirty="0" smtClean="0"/>
+              <a:t> password</a:t>
+            </a:r>
           </a:p>
         </p:txBody>
       </p:sp>
@@ -5757,6 +5844,10 @@
           </a:bodyPr>
           <a:lstStyle/>
           <a:p>
+            <a:pPr>
+              <a:buFont typeface="Arial" panose="020B0604020202020204" pitchFamily="34" charset="0"/>
+              <a:buChar char="•"/>
+            </a:pPr>
             <a:r>
               <a:rPr lang="en-GB" dirty="0" err="1">
                 <a:latin typeface="+mj-lt"/>
@@ -5782,10 +5873,22 @@
               <a:t> </a:t>
             </a:r>
             <a:r>
+              <a:rPr lang="en-GB" dirty="0" err="1" smtClean="0">
+                <a:latin typeface="+mj-lt"/>
+              </a:rPr>
+              <a:t>digenerate</a:t>
+            </a:r>
+            <a:r>
+              <a:rPr lang="en-GB" dirty="0" smtClean="0">
+                <a:latin typeface="+mj-lt"/>
+              </a:rPr>
+              <a:t> </a:t>
+            </a:r>
+            <a:r>
               <a:rPr lang="en-GB" dirty="0" err="1">
                 <a:latin typeface="+mj-lt"/>
               </a:rPr>
-              <a:t>digenerator</a:t>
+              <a:t>dengan</a:t>
             </a:r>
             <a:r>
               <a:rPr lang="en-GB" dirty="0">
@@ -5797,7 +5900,19 @@
               <a:rPr lang="en-GB" dirty="0" err="1">
                 <a:latin typeface="+mj-lt"/>
               </a:rPr>
-              <a:t>dengan</a:t>
+              <a:t>algoritma</a:t>
+            </a:r>
+            <a:r>
+              <a:rPr lang="en-GB" dirty="0">
+                <a:latin typeface="+mj-lt"/>
+              </a:rPr>
+              <a:t> pseudorandom yang </a:t>
+            </a:r>
+            <a:r>
+              <a:rPr lang="en-GB" dirty="0" err="1">
+                <a:latin typeface="+mj-lt"/>
+              </a:rPr>
+              <a:t>telah</a:t>
             </a:r>
             <a:r>
               <a:rPr lang="en-GB" dirty="0">
@@ -5809,19 +5924,7 @@
               <a:rPr lang="en-GB" dirty="0" err="1">
                 <a:latin typeface="+mj-lt"/>
               </a:rPr>
-              <a:t>algoritma</a:t>
-            </a:r>
-            <a:r>
-              <a:rPr lang="en-GB" dirty="0">
-                <a:latin typeface="+mj-lt"/>
-              </a:rPr>
-              <a:t> pseudorandom yang </a:t>
-            </a:r>
-            <a:r>
-              <a:rPr lang="en-GB" dirty="0" err="1">
-                <a:latin typeface="+mj-lt"/>
-              </a:rPr>
-              <a:t>telah</a:t>
+              <a:t>ditentukan</a:t>
             </a:r>
             <a:r>
               <a:rPr lang="en-GB" dirty="0">
@@ -5830,22 +5933,64 @@
               <a:t> </a:t>
             </a:r>
             <a:r>
-              <a:rPr lang="en-GB" dirty="0" err="1">
+              <a:rPr lang="en-GB" dirty="0" err="1" smtClean="0">
                 <a:latin typeface="+mj-lt"/>
               </a:rPr>
-              <a:t>ditentukan</a:t>
-            </a:r>
-            <a:r>
-              <a:rPr lang="en-GB" dirty="0">
+              <a:t>sebelumnya</a:t>
+            </a:r>
+            <a:r>
+              <a:rPr lang="en-GB" dirty="0" smtClean="0">
                 <a:latin typeface="+mj-lt"/>
               </a:rPr>
               <a:t> </a:t>
             </a:r>
             <a:r>
-              <a:rPr lang="en-GB" dirty="0" err="1">
+              <a:rPr lang="en-GB" dirty="0" err="1" smtClean="0">
                 <a:latin typeface="+mj-lt"/>
               </a:rPr>
-              <a:t>sebelumnya</a:t>
+              <a:t>untuk</a:t>
+            </a:r>
+            <a:r>
+              <a:rPr lang="en-GB" dirty="0" smtClean="0">
+                <a:latin typeface="+mj-lt"/>
+              </a:rPr>
+              <a:t> </a:t>
+            </a:r>
+            <a:r>
+              <a:rPr lang="en-GB" dirty="0" err="1" smtClean="0">
+                <a:latin typeface="+mj-lt"/>
+              </a:rPr>
+              <a:t>membangkitkan</a:t>
+            </a:r>
+            <a:r>
+              <a:rPr lang="en-GB" dirty="0" smtClean="0">
+                <a:latin typeface="+mj-lt"/>
+              </a:rPr>
+              <a:t> key.</a:t>
+            </a:r>
+          </a:p>
+          <a:p>
+            <a:pPr>
+              <a:buFont typeface="Arial" panose="020B0604020202020204" pitchFamily="34" charset="0"/>
+              <a:buChar char="•"/>
+            </a:pPr>
+            <a:r>
+              <a:rPr lang="en-GB" dirty="0" smtClean="0">
+                <a:latin typeface="+mj-lt"/>
+              </a:rPr>
+              <a:t>Password </a:t>
+            </a:r>
+            <a:r>
+              <a:rPr lang="en-GB" dirty="0" err="1" smtClean="0">
+                <a:latin typeface="+mj-lt"/>
+              </a:rPr>
+              <a:t>menggunakan</a:t>
+            </a:r>
+            <a:r>
+              <a:rPr lang="en-GB" dirty="0" smtClean="0">
+                <a:latin typeface="+mj-lt"/>
+              </a:rPr>
+              <a:t> hashing</a:t>
             </a:r>
             <a:endParaRPr lang="id-ID" dirty="0">
               <a:latin typeface="+mj-lt"/>

--- a/docs/algoritma.pptx
+++ b/docs/algoritma.pptx
@@ -4627,8 +4627,17 @@
               <a:rPr lang="en-GB" sz="3200" dirty="0" smtClean="0">
                 <a:latin typeface="+mj-lt"/>
               </a:rPr>
-              <a:t>Evaria Ayu Nurjana</a:t>
-            </a:r>
+              <a:t>Evaria Ayu </a:t>
+            </a:r>
+            <a:r>
+              <a:rPr lang="en-GB" sz="3200" dirty="0" smtClean="0">
+                <a:latin typeface="+mj-lt"/>
+              </a:rPr>
+              <a:t>Nurjana (5112100060)</a:t>
+            </a:r>
+            <a:endParaRPr lang="en-GB" sz="3200" dirty="0" smtClean="0">
+              <a:latin typeface="+mj-lt"/>
+            </a:endParaRPr>
           </a:p>
           <a:p>
             <a:r>
@@ -4649,6 +4658,12 @@
               </a:rPr>
               <a:t>Hasbiya</a:t>
             </a:r>
+            <a:r>
+              <a:rPr lang="en-GB" sz="3200" dirty="0" smtClean="0">
+                <a:latin typeface="+mj-lt"/>
+              </a:rPr>
+              <a:t> (5112100083)</a:t>
+            </a:r>
             <a:endParaRPr lang="en-GB" sz="3200" dirty="0" smtClean="0">
               <a:latin typeface="+mj-lt"/>
             </a:endParaRPr>
@@ -4678,6 +4693,12 @@
               </a:rPr>
               <a:t>Hidayat</a:t>
             </a:r>
+            <a:r>
+              <a:rPr lang="en-GB" sz="3200" dirty="0" smtClean="0">
+                <a:latin typeface="+mj-lt"/>
+              </a:rPr>
+              <a:t> (5112100125)</a:t>
+            </a:r>
             <a:endParaRPr lang="en-GB" sz="3200" dirty="0" smtClean="0">
               <a:latin typeface="+mj-lt"/>
             </a:endParaRPr>
@@ -4694,6 +4715,12 @@
                 <a:latin typeface="+mj-lt"/>
               </a:rPr>
               <a:t>Nuzal</a:t>
+            </a:r>
+            <a:r>
+              <a:rPr lang="en-GB" sz="3200" dirty="0" smtClean="0">
+                <a:latin typeface="+mj-lt"/>
+              </a:rPr>
+              <a:t> (5112100173)</a:t>
             </a:r>
             <a:endParaRPr lang="id-ID" sz="3200" dirty="0">
               <a:latin typeface="+mj-lt"/>
@@ -4869,13 +4896,7 @@
               <a:rPr lang="en-GB" dirty="0" smtClean="0">
                 <a:latin typeface="Bebas Neue" panose="020B0606020202050201" pitchFamily="34" charset="0"/>
               </a:rPr>
-              <a:t>Stream </a:t>
-            </a:r>
-            <a:r>
-              <a:rPr lang="en-GB" dirty="0" smtClean="0">
-                <a:latin typeface="Bebas Neue" panose="020B0606020202050201" pitchFamily="34" charset="0"/>
-              </a:rPr>
-              <a:t>cipher</a:t>
+              <a:t>Stream cipher</a:t>
             </a:r>
             <a:endParaRPr lang="id-ID" dirty="0">
               <a:latin typeface="Bebas Neue" panose="020B0606020202050201" pitchFamily="34" charset="0"/>
